--- a/ex/05_functions.pptx
+++ b/ex/05_functions.pptx
@@ -5,25 +5,13 @@
     <p:sldMasterId id="2147483648" r:id="rId1"/>
   </p:sldMasterIdLst>
   <p:notesMasterIdLst>
-    <p:notesMasterId r:id="rId18"/>
+    <p:notesMasterId r:id="rId6"/>
   </p:notesMasterIdLst>
   <p:sldIdLst>
     <p:sldId id="256" r:id="rId2"/>
-    <p:sldId id="285" r:id="rId3"/>
-    <p:sldId id="278" r:id="rId4"/>
-    <p:sldId id="277" r:id="rId5"/>
-    <p:sldId id="279" r:id="rId6"/>
-    <p:sldId id="280" r:id="rId7"/>
-    <p:sldId id="281" r:id="rId8"/>
-    <p:sldId id="287" r:id="rId9"/>
-    <p:sldId id="282" r:id="rId10"/>
-    <p:sldId id="289" r:id="rId11"/>
-    <p:sldId id="291" r:id="rId12"/>
-    <p:sldId id="290" r:id="rId13"/>
-    <p:sldId id="283" r:id="rId14"/>
-    <p:sldId id="292" r:id="rId15"/>
-    <p:sldId id="284" r:id="rId16"/>
-    <p:sldId id="294" r:id="rId17"/>
+    <p:sldId id="297" r:id="rId3"/>
+    <p:sldId id="298" r:id="rId4"/>
+    <p:sldId id="299" r:id="rId5"/>
   </p:sldIdLst>
   <p:sldSz cx="12192000" cy="6858000"/>
   <p:notesSz cx="6858000" cy="9144000"/>
@@ -212,7 +200,7 @@
           <a:p>
             <a:fld id="{F71B4915-86E1-7748-A733-51F61BEF24A0}" type="datetimeFigureOut">
               <a:rPr lang="en-US" smtClean="0"/>
-              <a:t>3/27/23</a:t>
+              <a:t>5/22/23</a:t>
             </a:fld>
             <a:endParaRPr lang="en-US"/>
           </a:p>
@@ -790,7 +778,7 @@
           <a:p>
             <a:fld id="{5FCDCD17-B0B1-A244-9BB5-D7228F76BED7}" type="datetime3">
               <a:rPr lang="en-SG" smtClean="0"/>
-              <a:t>27 March 2023</a:t>
+              <a:t>22 May 2023</a:t>
             </a:fld>
             <a:endParaRPr lang="en-US" dirty="0"/>
           </a:p>
@@ -1163,7 +1151,7 @@
           <a:p>
             <a:fld id="{ADD28603-00EC-3A4D-B44A-BEF0A0F382C6}" type="datetime3">
               <a:rPr lang="en-SG" smtClean="0"/>
-              <a:t>27 March 2023</a:t>
+              <a:t>22 May 2023</a:t>
             </a:fld>
             <a:endParaRPr lang="en-US"/>
           </a:p>
@@ -1561,7 +1549,7 @@
           <a:p>
             <a:fld id="{E6645DC1-DD2E-5147-813A-145518F6A88E}" type="datetime3">
               <a:rPr lang="en-SG" smtClean="0"/>
-              <a:t>27 March 2023</a:t>
+              <a:t>22 May 2023</a:t>
             </a:fld>
             <a:endParaRPr lang="en-US"/>
           </a:p>
@@ -1863,7 +1851,7 @@
           <a:p>
             <a:fld id="{9CE5D27D-0906-C849-85EF-1698976BF415}" type="datetime3">
               <a:rPr lang="en-SG" smtClean="0"/>
-              <a:t>27 March 2023</a:t>
+              <a:t>22 May 2023</a:t>
             </a:fld>
             <a:endParaRPr lang="en-US"/>
           </a:p>
@@ -2446,7 +2434,7 @@
           <a:p>
             <a:fld id="{B644A007-AED7-CC4E-A6C9-9429041AE4C9}" type="datetime3">
               <a:rPr lang="en-SG" smtClean="0"/>
-              <a:t>27 March 2023</a:t>
+              <a:t>22 May 2023</a:t>
             </a:fld>
             <a:endParaRPr lang="en-US"/>
           </a:p>
@@ -2864,7 +2852,7 @@
           <a:p>
             <a:fld id="{06911E40-0033-E74E-A93D-D0B3F4840C2B}" type="datetime3">
               <a:rPr lang="en-SG" smtClean="0"/>
-              <a:t>27 March 2023</a:t>
+              <a:t>22 May 2023</a:t>
             </a:fld>
             <a:endParaRPr lang="en-US"/>
           </a:p>
@@ -3077,7 +3065,7 @@
           <a:p>
             <a:fld id="{FDD5ADF8-FB30-A140-BC76-B82B3346A618}" type="datetime3">
               <a:rPr lang="en-SG" smtClean="0"/>
-              <a:t>27 March 2023</a:t>
+              <a:t>22 May 2023</a:t>
             </a:fld>
             <a:endParaRPr lang="en-US"/>
           </a:p>
@@ -3420,7 +3408,7 @@
           <a:p>
             <a:fld id="{2EF13291-2998-1E45-BB6C-14491E304C83}" type="datetime3">
               <a:rPr lang="en-SG" smtClean="0"/>
-              <a:t>27 March 2023</a:t>
+              <a:t>22 May 2023</a:t>
             </a:fld>
             <a:endParaRPr lang="en-US"/>
           </a:p>
@@ -3739,7 +3727,7 @@
           <a:p>
             <a:fld id="{7BDC71DE-80FC-B640-A19E-6715081E17F0}" type="datetime3">
               <a:rPr lang="en-SG" smtClean="0"/>
-              <a:t>27 March 2023</a:t>
+              <a:t>22 May 2023</a:t>
             </a:fld>
             <a:endParaRPr lang="en-US"/>
           </a:p>
@@ -4014,7 +4002,7 @@
           <a:p>
             <a:fld id="{39E2CDA4-D7DD-D048-900A-DFEB5E81218B}" type="datetime3">
               <a:rPr lang="en-SG" smtClean="0"/>
-              <a:t>27 March 2023</a:t>
+              <a:t>22 May 2023</a:t>
             </a:fld>
             <a:endParaRPr lang="en-US" dirty="0"/>
           </a:p>
@@ -4490,17 +4478,20 @@
               <a:rPr lang="en-US" dirty="0"/>
               <a:t>b</a:t>
             </a:r>
+            <a:br>
+              <a:rPr lang="en-US" dirty="0"/>
+            </a:br>
+            <a:r>
+              <a:rPr lang="en-US" dirty="0"/>
+              <a:t>Introduction to</a:t>
+            </a:r>
             <a:r>
               <a:rPr dirty="0"/>
-              <a:t>: </a:t>
+              <a:t> </a:t>
             </a:r>
             <a:r>
               <a:rPr lang="en-US" dirty="0"/>
-              <a:t>Data </a:t>
-            </a:r>
-            <a:r>
-              <a:rPr lang="en-US" dirty="0" err="1"/>
-              <a:t>Visualisation</a:t>
+              <a:t>Functions</a:t>
             </a:r>
             <a:endParaRPr dirty="0"/>
           </a:p>
@@ -4549,847 +4540,6 @@
         </p:txBody>
       </p:sp>
     </p:spTree>
-  </p:cSld>
-  <p:clrMapOvr>
-    <a:masterClrMapping/>
-  </p:clrMapOvr>
-</p:sld>
-</file>
-
-<file path=ppt/slides/slide10.xml><?xml version="1.0" encoding="utf-8"?>
-<p:sld xmlns:a="http://schemas.openxmlformats.org/drawingml/2006/main" xmlns:r="http://schemas.openxmlformats.org/officeDocument/2006/relationships" xmlns:p="http://schemas.openxmlformats.org/presentationml/2006/main">
-  <p:cSld>
-    <p:spTree>
-      <p:nvGrpSpPr>
-        <p:cNvPr id="1" name=""/>
-        <p:cNvGrpSpPr/>
-        <p:nvPr/>
-      </p:nvGrpSpPr>
-      <p:grpSpPr>
-        <a:xfrm>
-          <a:off x="0" y="0"/>
-          <a:ext cx="0" cy="0"/>
-          <a:chOff x="0" y="0"/>
-          <a:chExt cx="0" cy="0"/>
-        </a:xfrm>
-      </p:grpSpPr>
-      <p:sp>
-        <p:nvSpPr>
-          <p:cNvPr id="4" name="Title 3">
-            <a:extLst>
-              <a:ext uri="{FF2B5EF4-FFF2-40B4-BE49-F238E27FC236}">
-                <a16:creationId xmlns:a16="http://schemas.microsoft.com/office/drawing/2014/main" id="{CEAC0933-DC54-840D-D355-602311984790}"/>
-              </a:ext>
-            </a:extLst>
-          </p:cNvPr>
-          <p:cNvSpPr>
-            <a:spLocks noGrp="1"/>
-          </p:cNvSpPr>
-          <p:nvPr>
-            <p:ph type="title"/>
-          </p:nvPr>
-        </p:nvSpPr>
-        <p:spPr/>
-        <p:txBody>
-          <a:bodyPr/>
-          <a:lstStyle/>
-          <a:p>
-            <a:r>
-              <a:rPr lang="en-US" dirty="0"/>
-              <a:t>Default theme VS </a:t>
-            </a:r>
-            <a:r>
-              <a:rPr lang="en-US" sz="2800" dirty="0" err="1">
-                <a:latin typeface="Fira Code Retina" pitchFamily="49" charset="0"/>
-                <a:ea typeface="Fira Code Retina" pitchFamily="49" charset="0"/>
-                <a:cs typeface="Fira Code Retina" pitchFamily="49" charset="0"/>
-              </a:rPr>
-              <a:t>theme_bw</a:t>
-            </a:r>
-            <a:r>
-              <a:rPr lang="en-US" sz="2800" dirty="0">
-                <a:latin typeface="Fira Code Retina" pitchFamily="49" charset="0"/>
-                <a:ea typeface="Fira Code Retina" pitchFamily="49" charset="0"/>
-                <a:cs typeface="Fira Code Retina" pitchFamily="49" charset="0"/>
-              </a:rPr>
-              <a:t>()</a:t>
-            </a:r>
-            <a:endParaRPr lang="en-US" dirty="0">
-              <a:latin typeface="Fira Code Retina" pitchFamily="49" charset="0"/>
-              <a:ea typeface="Fira Code Retina" pitchFamily="49" charset="0"/>
-              <a:cs typeface="Fira Code Retina" pitchFamily="49" charset="0"/>
-            </a:endParaRPr>
-          </a:p>
-        </p:txBody>
-      </p:sp>
-      <p:pic>
-        <p:nvPicPr>
-          <p:cNvPr id="1026" name="Picture 2">
-            <a:extLst>
-              <a:ext uri="{FF2B5EF4-FFF2-40B4-BE49-F238E27FC236}">
-                <a16:creationId xmlns:a16="http://schemas.microsoft.com/office/drawing/2014/main" id="{55D7D0AA-B954-5200-DDF5-C5049A634F2E}"/>
-              </a:ext>
-            </a:extLst>
-          </p:cNvPr>
-          <p:cNvPicPr>
-            <a:picLocks noGrp="1" noChangeAspect="1" noChangeArrowheads="1"/>
-          </p:cNvPicPr>
-          <p:nvPr>
-            <p:ph sz="half" idx="2"/>
-          </p:nvPr>
-        </p:nvPicPr>
-        <p:blipFill>
-          <a:blip r:embed="rId2">
-            <a:extLst>
-              <a:ext uri="{28A0092B-C50C-407E-A947-70E740481C1C}">
-                <a14:useLocalDpi xmlns:a14="http://schemas.microsoft.com/office/drawing/2010/main" val="0"/>
-              </a:ext>
-            </a:extLst>
-          </a:blip>
-          <a:srcRect/>
-          <a:stretch>
-            <a:fillRect/>
-          </a:stretch>
-        </p:blipFill>
-        <p:spPr bwMode="auto">
-          <a:xfrm>
-            <a:off x="6172200" y="2150723"/>
-            <a:ext cx="5181600" cy="3701142"/>
-          </a:xfrm>
-          <a:prstGeom prst="rect">
-            <a:avLst/>
-          </a:prstGeom>
-          <a:noFill/>
-          <a:extLst>
-            <a:ext uri="{909E8E84-426E-40DD-AFC4-6F175D3DCCD1}">
-              <a14:hiddenFill xmlns:a14="http://schemas.microsoft.com/office/drawing/2010/main">
-                <a:solidFill>
-                  <a:srgbClr val="FFFFFF"/>
-                </a:solidFill>
-              </a14:hiddenFill>
-            </a:ext>
-          </a:extLst>
-        </p:spPr>
-      </p:pic>
-      <p:pic>
-        <p:nvPicPr>
-          <p:cNvPr id="1030" name="Picture 6">
-            <a:extLst>
-              <a:ext uri="{FF2B5EF4-FFF2-40B4-BE49-F238E27FC236}">
-                <a16:creationId xmlns:a16="http://schemas.microsoft.com/office/drawing/2014/main" id="{D4489702-E369-BA6E-B120-BE9DE278F410}"/>
-              </a:ext>
-            </a:extLst>
-          </p:cNvPr>
-          <p:cNvPicPr>
-            <a:picLocks noGrp="1" noChangeAspect="1" noChangeArrowheads="1"/>
-          </p:cNvPicPr>
-          <p:nvPr>
-            <p:ph sz="half" idx="1"/>
-          </p:nvPr>
-        </p:nvPicPr>
-        <p:blipFill>
-          <a:blip r:embed="rId3">
-            <a:extLst>
-              <a:ext uri="{28A0092B-C50C-407E-A947-70E740481C1C}">
-                <a14:useLocalDpi xmlns:a14="http://schemas.microsoft.com/office/drawing/2010/main" val="0"/>
-              </a:ext>
-            </a:extLst>
-          </a:blip>
-          <a:srcRect/>
-          <a:stretch>
-            <a:fillRect/>
-          </a:stretch>
-        </p:blipFill>
-        <p:spPr bwMode="auto">
-          <a:xfrm>
-            <a:off x="838200" y="2150723"/>
-            <a:ext cx="5181600" cy="3701142"/>
-          </a:xfrm>
-          <a:prstGeom prst="rect">
-            <a:avLst/>
-          </a:prstGeom>
-          <a:noFill/>
-          <a:extLst>
-            <a:ext uri="{909E8E84-426E-40DD-AFC4-6F175D3DCCD1}">
-              <a14:hiddenFill xmlns:a14="http://schemas.microsoft.com/office/drawing/2010/main">
-                <a:solidFill>
-                  <a:srgbClr val="FFFFFF"/>
-                </a:solidFill>
-              </a14:hiddenFill>
-            </a:ext>
-          </a:extLst>
-        </p:spPr>
-      </p:pic>
-    </p:spTree>
-    <p:extLst>
-      <p:ext uri="{BB962C8B-B14F-4D97-AF65-F5344CB8AC3E}">
-        <p14:creationId xmlns:p14="http://schemas.microsoft.com/office/powerpoint/2010/main" val="2497958145"/>
-      </p:ext>
-    </p:extLst>
-  </p:cSld>
-  <p:clrMapOvr>
-    <a:masterClrMapping/>
-  </p:clrMapOvr>
-</p:sld>
-</file>
-
-<file path=ppt/slides/slide11.xml><?xml version="1.0" encoding="utf-8"?>
-<p:sld xmlns:a="http://schemas.openxmlformats.org/drawingml/2006/main" xmlns:r="http://schemas.openxmlformats.org/officeDocument/2006/relationships" xmlns:p="http://schemas.openxmlformats.org/presentationml/2006/main">
-  <p:cSld>
-    <p:spTree>
-      <p:nvGrpSpPr>
-        <p:cNvPr id="1" name=""/>
-        <p:cNvGrpSpPr/>
-        <p:nvPr/>
-      </p:nvGrpSpPr>
-      <p:grpSpPr>
-        <a:xfrm>
-          <a:off x="0" y="0"/>
-          <a:ext cx="0" cy="0"/>
-          <a:chOff x="0" y="0"/>
-          <a:chExt cx="0" cy="0"/>
-        </a:xfrm>
-      </p:grpSpPr>
-      <p:sp>
-        <p:nvSpPr>
-          <p:cNvPr id="4" name="Title 3">
-            <a:extLst>
-              <a:ext uri="{FF2B5EF4-FFF2-40B4-BE49-F238E27FC236}">
-                <a16:creationId xmlns:a16="http://schemas.microsoft.com/office/drawing/2014/main" id="{6D8D778C-A551-A810-27DB-04374FB1CC0F}"/>
-              </a:ext>
-            </a:extLst>
-          </p:cNvPr>
-          <p:cNvSpPr>
-            <a:spLocks noGrp="1"/>
-          </p:cNvSpPr>
-          <p:nvPr>
-            <p:ph type="title"/>
-          </p:nvPr>
-        </p:nvSpPr>
-        <p:spPr/>
-        <p:txBody>
-          <a:bodyPr/>
-          <a:lstStyle/>
-          <a:p>
-            <a:r>
-              <a:rPr lang="en-US" dirty="0" err="1">
-                <a:latin typeface="Fira Code Retina" pitchFamily="49" charset="0"/>
-                <a:ea typeface="Fira Code Retina" pitchFamily="49" charset="0"/>
-                <a:cs typeface="Fira Code Retina" pitchFamily="49" charset="0"/>
-              </a:rPr>
-              <a:t>theme_bw</a:t>
-            </a:r>
-            <a:r>
-              <a:rPr lang="en-US" dirty="0">
-                <a:latin typeface="Fira Code Retina" pitchFamily="49" charset="0"/>
-                <a:ea typeface="Fira Code Retina" pitchFamily="49" charset="0"/>
-                <a:cs typeface="Fira Code Retina" pitchFamily="49" charset="0"/>
-              </a:rPr>
-              <a:t>()</a:t>
-            </a:r>
-          </a:p>
-        </p:txBody>
-      </p:sp>
-      <p:pic>
-        <p:nvPicPr>
-          <p:cNvPr id="3" name="Content Placeholder 2">
-            <a:extLst>
-              <a:ext uri="{FF2B5EF4-FFF2-40B4-BE49-F238E27FC236}">
-                <a16:creationId xmlns:a16="http://schemas.microsoft.com/office/drawing/2014/main" id="{7058327E-6957-F9EF-C59A-1F907F1D8A4C}"/>
-              </a:ext>
-            </a:extLst>
-          </p:cNvPr>
-          <p:cNvPicPr>
-            <a:picLocks noGrp="1" noChangeAspect="1" noChangeArrowheads="1"/>
-          </p:cNvPicPr>
-          <p:nvPr>
-            <p:ph sz="half" idx="2"/>
-          </p:nvPr>
-        </p:nvPicPr>
-        <p:blipFill>
-          <a:blip r:embed="rId2">
-            <a:extLst>
-              <a:ext uri="{28A0092B-C50C-407E-A947-70E740481C1C}">
-                <a14:useLocalDpi xmlns:a14="http://schemas.microsoft.com/office/drawing/2010/main" val="0"/>
-              </a:ext>
-            </a:extLst>
-          </a:blip>
-          <a:srcRect/>
-          <a:stretch>
-            <a:fillRect/>
-          </a:stretch>
-        </p:blipFill>
-        <p:spPr bwMode="auto">
-          <a:xfrm>
-            <a:off x="6172200" y="2150723"/>
-            <a:ext cx="5181600" cy="3701142"/>
-          </a:xfrm>
-          <a:prstGeom prst="rect">
-            <a:avLst/>
-          </a:prstGeom>
-          <a:noFill/>
-          <a:extLst>
-            <a:ext uri="{909E8E84-426E-40DD-AFC4-6F175D3DCCD1}">
-              <a14:hiddenFill xmlns:a14="http://schemas.microsoft.com/office/drawing/2010/main">
-                <a:solidFill>
-                  <a:srgbClr val="FFFFFF"/>
-                </a:solidFill>
-              </a14:hiddenFill>
-            </a:ext>
-          </a:extLst>
-        </p:spPr>
-      </p:pic>
-      <p:pic>
-        <p:nvPicPr>
-          <p:cNvPr id="15" name="Content Placeholder 14">
-            <a:extLst>
-              <a:ext uri="{FF2B5EF4-FFF2-40B4-BE49-F238E27FC236}">
-                <a16:creationId xmlns:a16="http://schemas.microsoft.com/office/drawing/2014/main" id="{24D9B855-1188-8B7D-0A1C-3A311C6DAA52}"/>
-              </a:ext>
-            </a:extLst>
-          </p:cNvPr>
-          <p:cNvPicPr>
-            <a:picLocks noGrp="1" noChangeAspect="1"/>
-          </p:cNvPicPr>
-          <p:nvPr>
-            <p:ph sz="half" idx="1"/>
-          </p:nvPr>
-        </p:nvPicPr>
-        <p:blipFill>
-          <a:blip r:embed="rId3"/>
-          <a:stretch>
-            <a:fillRect/>
-          </a:stretch>
-        </p:blipFill>
-        <p:spPr>
-          <a:xfrm>
-            <a:off x="486686" y="3006130"/>
-            <a:ext cx="5533114" cy="1990328"/>
-          </a:xfrm>
-          <a:prstGeom prst="rect">
-            <a:avLst/>
-          </a:prstGeom>
-        </p:spPr>
-      </p:pic>
-    </p:spTree>
-    <p:extLst>
-      <p:ext uri="{BB962C8B-B14F-4D97-AF65-F5344CB8AC3E}">
-        <p14:creationId xmlns:p14="http://schemas.microsoft.com/office/powerpoint/2010/main" val="1810698009"/>
-      </p:ext>
-    </p:extLst>
-  </p:cSld>
-  <p:clrMapOvr>
-    <a:masterClrMapping/>
-  </p:clrMapOvr>
-</p:sld>
-</file>
-
-<file path=ppt/slides/slide12.xml><?xml version="1.0" encoding="utf-8"?>
-<p:sld xmlns:a="http://schemas.openxmlformats.org/drawingml/2006/main" xmlns:r="http://schemas.openxmlformats.org/officeDocument/2006/relationships" xmlns:p="http://schemas.openxmlformats.org/presentationml/2006/main">
-  <p:cSld>
-    <p:spTree>
-      <p:nvGrpSpPr>
-        <p:cNvPr id="1" name=""/>
-        <p:cNvGrpSpPr/>
-        <p:nvPr/>
-      </p:nvGrpSpPr>
-      <p:grpSpPr>
-        <a:xfrm>
-          <a:off x="0" y="0"/>
-          <a:ext cx="0" cy="0"/>
-          <a:chOff x="0" y="0"/>
-          <a:chExt cx="0" cy="0"/>
-        </a:xfrm>
-      </p:grpSpPr>
-      <p:sp>
-        <p:nvSpPr>
-          <p:cNvPr id="4" name="Title 3">
-            <a:extLst>
-              <a:ext uri="{FF2B5EF4-FFF2-40B4-BE49-F238E27FC236}">
-                <a16:creationId xmlns:a16="http://schemas.microsoft.com/office/drawing/2014/main" id="{6D8D778C-A551-A810-27DB-04374FB1CC0F}"/>
-              </a:ext>
-            </a:extLst>
-          </p:cNvPr>
-          <p:cNvSpPr>
-            <a:spLocks noGrp="1"/>
-          </p:cNvSpPr>
-          <p:nvPr>
-            <p:ph type="title"/>
-          </p:nvPr>
-        </p:nvSpPr>
-        <p:spPr/>
-        <p:txBody>
-          <a:bodyPr/>
-          <a:lstStyle/>
-          <a:p>
-            <a:r>
-              <a:rPr lang="en-US" dirty="0" err="1"/>
-              <a:t>Customise</a:t>
-            </a:r>
-            <a:r>
-              <a:rPr lang="en-US" dirty="0"/>
-              <a:t> how your plot looks</a:t>
-            </a:r>
-          </a:p>
-        </p:txBody>
-      </p:sp>
-      <p:pic>
-        <p:nvPicPr>
-          <p:cNvPr id="2050" name="Picture 2">
-            <a:extLst>
-              <a:ext uri="{FF2B5EF4-FFF2-40B4-BE49-F238E27FC236}">
-                <a16:creationId xmlns:a16="http://schemas.microsoft.com/office/drawing/2014/main" id="{6601B01B-B265-AED8-C3B4-A84D44C2B321}"/>
-              </a:ext>
-            </a:extLst>
-          </p:cNvPr>
-          <p:cNvPicPr>
-            <a:picLocks noGrp="1" noChangeAspect="1" noChangeArrowheads="1"/>
-          </p:cNvPicPr>
-          <p:nvPr>
-            <p:ph sz="half" idx="2"/>
-          </p:nvPr>
-        </p:nvPicPr>
-        <p:blipFill>
-          <a:blip r:embed="rId2">
-            <a:extLst>
-              <a:ext uri="{28A0092B-C50C-407E-A947-70E740481C1C}">
-                <a14:useLocalDpi xmlns:a14="http://schemas.microsoft.com/office/drawing/2010/main" val="0"/>
-              </a:ext>
-            </a:extLst>
-          </a:blip>
-          <a:srcRect/>
-          <a:stretch>
-            <a:fillRect/>
-          </a:stretch>
-        </p:blipFill>
-        <p:spPr bwMode="auto">
-          <a:xfrm>
-            <a:off x="6339842" y="2150723"/>
-            <a:ext cx="5181600" cy="3701142"/>
-          </a:xfrm>
-          <a:prstGeom prst="rect">
-            <a:avLst/>
-          </a:prstGeom>
-          <a:noFill/>
-          <a:extLst>
-            <a:ext uri="{909E8E84-426E-40DD-AFC4-6F175D3DCCD1}">
-              <a14:hiddenFill xmlns:a14="http://schemas.microsoft.com/office/drawing/2010/main">
-                <a:solidFill>
-                  <a:srgbClr val="FFFFFF"/>
-                </a:solidFill>
-              </a14:hiddenFill>
-            </a:ext>
-          </a:extLst>
-        </p:spPr>
-      </p:pic>
-      <p:pic>
-        <p:nvPicPr>
-          <p:cNvPr id="11" name="Content Placeholder 10">
-            <a:extLst>
-              <a:ext uri="{FF2B5EF4-FFF2-40B4-BE49-F238E27FC236}">
-                <a16:creationId xmlns:a16="http://schemas.microsoft.com/office/drawing/2014/main" id="{0DFFE4B7-B105-0583-CE3C-8507E5B07343}"/>
-              </a:ext>
-            </a:extLst>
-          </p:cNvPr>
-          <p:cNvPicPr>
-            <a:picLocks noGrp="1" noChangeAspect="1"/>
-          </p:cNvPicPr>
-          <p:nvPr>
-            <p:ph sz="half" idx="1"/>
-          </p:nvPr>
-        </p:nvPicPr>
-        <p:blipFill>
-          <a:blip r:embed="rId3"/>
-          <a:stretch>
-            <a:fillRect/>
-          </a:stretch>
-        </p:blipFill>
-        <p:spPr>
-          <a:xfrm>
-            <a:off x="670560" y="2666935"/>
-            <a:ext cx="5181600" cy="2668718"/>
-          </a:xfrm>
-          <a:prstGeom prst="rect">
-            <a:avLst/>
-          </a:prstGeom>
-        </p:spPr>
-      </p:pic>
-    </p:spTree>
-    <p:extLst>
-      <p:ext uri="{BB962C8B-B14F-4D97-AF65-F5344CB8AC3E}">
-        <p14:creationId xmlns:p14="http://schemas.microsoft.com/office/powerpoint/2010/main" val="3736222711"/>
-      </p:ext>
-    </p:extLst>
-  </p:cSld>
-  <p:clrMapOvr>
-    <a:masterClrMapping/>
-  </p:clrMapOvr>
-</p:sld>
-</file>
-
-<file path=ppt/slides/slide13.xml><?xml version="1.0" encoding="utf-8"?>
-<p:sld xmlns:a="http://schemas.openxmlformats.org/drawingml/2006/main" xmlns:r="http://schemas.openxmlformats.org/officeDocument/2006/relationships" xmlns:p="http://schemas.openxmlformats.org/presentationml/2006/main">
-  <p:cSld>
-    <p:spTree>
-      <p:nvGrpSpPr>
-        <p:cNvPr id="1" name=""/>
-        <p:cNvGrpSpPr/>
-        <p:nvPr/>
-      </p:nvGrpSpPr>
-      <p:grpSpPr>
-        <a:xfrm>
-          <a:off x="0" y="0"/>
-          <a:ext cx="0" cy="0"/>
-          <a:chOff x="0" y="0"/>
-          <a:chExt cx="0" cy="0"/>
-        </a:xfrm>
-      </p:grpSpPr>
-      <p:sp>
-        <p:nvSpPr>
-          <p:cNvPr id="2" name="Title 1">
-            <a:extLst>
-              <a:ext uri="{FF2B5EF4-FFF2-40B4-BE49-F238E27FC236}">
-                <a16:creationId xmlns:a16="http://schemas.microsoft.com/office/drawing/2014/main" id="{FAAFAF10-FBE5-A8F9-DC2B-F094BE8927E6}"/>
-              </a:ext>
-            </a:extLst>
-          </p:cNvPr>
-          <p:cNvSpPr>
-            <a:spLocks noGrp="1"/>
-          </p:cNvSpPr>
-          <p:nvPr>
-            <p:ph type="title"/>
-          </p:nvPr>
-        </p:nvSpPr>
-        <p:spPr/>
-        <p:txBody>
-          <a:bodyPr/>
-          <a:lstStyle/>
-          <a:p>
-            <a:r>
-              <a:rPr lang="en-US" dirty="0"/>
-              <a:t>Arranging plots</a:t>
-            </a:r>
-          </a:p>
-        </p:txBody>
-      </p:sp>
-      <p:sp>
-        <p:nvSpPr>
-          <p:cNvPr id="3" name="Text Placeholder 2">
-            <a:extLst>
-              <a:ext uri="{FF2B5EF4-FFF2-40B4-BE49-F238E27FC236}">
-                <a16:creationId xmlns:a16="http://schemas.microsoft.com/office/drawing/2014/main" id="{F5E5EBED-6E39-6E0A-A9EC-CC97FE9F1F6A}"/>
-              </a:ext>
-            </a:extLst>
-          </p:cNvPr>
-          <p:cNvSpPr>
-            <a:spLocks noGrp="1"/>
-          </p:cNvSpPr>
-          <p:nvPr>
-            <p:ph type="body" idx="1"/>
-          </p:nvPr>
-        </p:nvSpPr>
-        <p:spPr/>
-        <p:txBody>
-          <a:bodyPr/>
-          <a:lstStyle/>
-          <a:p>
-            <a:endParaRPr lang="en-US"/>
-          </a:p>
-        </p:txBody>
-      </p:sp>
-    </p:spTree>
-    <p:extLst>
-      <p:ext uri="{BB962C8B-B14F-4D97-AF65-F5344CB8AC3E}">
-        <p14:creationId xmlns:p14="http://schemas.microsoft.com/office/powerpoint/2010/main" val="1554386727"/>
-      </p:ext>
-    </p:extLst>
-  </p:cSld>
-  <p:clrMapOvr>
-    <a:masterClrMapping/>
-  </p:clrMapOvr>
-</p:sld>
-</file>
-
-<file path=ppt/slides/slide14.xml><?xml version="1.0" encoding="utf-8"?>
-<p:sld xmlns:a="http://schemas.openxmlformats.org/drawingml/2006/main" xmlns:r="http://schemas.openxmlformats.org/officeDocument/2006/relationships" xmlns:p="http://schemas.openxmlformats.org/presentationml/2006/main">
-  <p:cSld>
-    <p:spTree>
-      <p:nvGrpSpPr>
-        <p:cNvPr id="1" name=""/>
-        <p:cNvGrpSpPr/>
-        <p:nvPr/>
-      </p:nvGrpSpPr>
-      <p:grpSpPr>
-        <a:xfrm>
-          <a:off x="0" y="0"/>
-          <a:ext cx="0" cy="0"/>
-          <a:chOff x="0" y="0"/>
-          <a:chExt cx="0" cy="0"/>
-        </a:xfrm>
-      </p:grpSpPr>
-      <p:sp>
-        <p:nvSpPr>
-          <p:cNvPr id="4" name="Title 3">
-            <a:extLst>
-              <a:ext uri="{FF2B5EF4-FFF2-40B4-BE49-F238E27FC236}">
-                <a16:creationId xmlns:a16="http://schemas.microsoft.com/office/drawing/2014/main" id="{6D8D778C-A551-A810-27DB-04374FB1CC0F}"/>
-              </a:ext>
-            </a:extLst>
-          </p:cNvPr>
-          <p:cNvSpPr>
-            <a:spLocks noGrp="1"/>
-          </p:cNvSpPr>
-          <p:nvPr>
-            <p:ph type="title"/>
-          </p:nvPr>
-        </p:nvSpPr>
-        <p:spPr/>
-        <p:txBody>
-          <a:bodyPr/>
-          <a:lstStyle/>
-          <a:p>
-            <a:r>
-              <a:rPr lang="en-US" dirty="0">
-                <a:latin typeface="Fira Code Retina" pitchFamily="49" charset="0"/>
-                <a:ea typeface="Fira Code Retina" pitchFamily="49" charset="0"/>
-                <a:cs typeface="Fira Code Retina" pitchFamily="49" charset="0"/>
-              </a:rPr>
-              <a:t>patchwork</a:t>
-            </a:r>
-            <a:r>
-              <a:rPr lang="en-US" dirty="0"/>
-              <a:t> package</a:t>
-            </a:r>
-          </a:p>
-        </p:txBody>
-      </p:sp>
-      <p:pic>
-        <p:nvPicPr>
-          <p:cNvPr id="4098" name="Picture 2">
-            <a:extLst>
-              <a:ext uri="{FF2B5EF4-FFF2-40B4-BE49-F238E27FC236}">
-                <a16:creationId xmlns:a16="http://schemas.microsoft.com/office/drawing/2014/main" id="{6757DB64-A497-BC73-BA2E-3A62B954BA93}"/>
-              </a:ext>
-            </a:extLst>
-          </p:cNvPr>
-          <p:cNvPicPr>
-            <a:picLocks noGrp="1" noChangeAspect="1" noChangeArrowheads="1"/>
-          </p:cNvPicPr>
-          <p:nvPr>
-            <p:ph sz="half" idx="2"/>
-          </p:nvPr>
-        </p:nvPicPr>
-        <p:blipFill>
-          <a:blip r:embed="rId2">
-            <a:extLst>
-              <a:ext uri="{28A0092B-C50C-407E-A947-70E740481C1C}">
-                <a14:useLocalDpi xmlns:a14="http://schemas.microsoft.com/office/drawing/2010/main" val="0"/>
-              </a:ext>
-            </a:extLst>
-          </a:blip>
-          <a:srcRect/>
-          <a:stretch>
-            <a:fillRect/>
-          </a:stretch>
-        </p:blipFill>
-        <p:spPr bwMode="auto">
-          <a:xfrm>
-            <a:off x="6355080" y="2705894"/>
-            <a:ext cx="5181600" cy="2590800"/>
-          </a:xfrm>
-          <a:prstGeom prst="rect">
-            <a:avLst/>
-          </a:prstGeom>
-          <a:noFill/>
-          <a:extLst>
-            <a:ext uri="{909E8E84-426E-40DD-AFC4-6F175D3DCCD1}">
-              <a14:hiddenFill xmlns:a14="http://schemas.microsoft.com/office/drawing/2010/main">
-                <a:solidFill>
-                  <a:srgbClr val="FFFFFF"/>
-                </a:solidFill>
-              </a14:hiddenFill>
-            </a:ext>
-          </a:extLst>
-        </p:spPr>
-      </p:pic>
-      <p:pic>
-        <p:nvPicPr>
-          <p:cNvPr id="7" name="Content Placeholder 6">
-            <a:extLst>
-              <a:ext uri="{FF2B5EF4-FFF2-40B4-BE49-F238E27FC236}">
-                <a16:creationId xmlns:a16="http://schemas.microsoft.com/office/drawing/2014/main" id="{C4CA39A4-45C4-D913-F0B6-D471763077E9}"/>
-              </a:ext>
-            </a:extLst>
-          </p:cNvPr>
-          <p:cNvPicPr>
-            <a:picLocks noGrp="1" noChangeAspect="1"/>
-          </p:cNvPicPr>
-          <p:nvPr>
-            <p:ph sz="half" idx="1"/>
-          </p:nvPr>
-        </p:nvPicPr>
-        <p:blipFill>
-          <a:blip r:embed="rId3"/>
-          <a:stretch>
-            <a:fillRect/>
-          </a:stretch>
-        </p:blipFill>
-        <p:spPr>
-          <a:xfrm>
-            <a:off x="792480" y="2542561"/>
-            <a:ext cx="5181600" cy="2917466"/>
-          </a:xfrm>
-        </p:spPr>
-      </p:pic>
-    </p:spTree>
-    <p:extLst>
-      <p:ext uri="{BB962C8B-B14F-4D97-AF65-F5344CB8AC3E}">
-        <p14:creationId xmlns:p14="http://schemas.microsoft.com/office/powerpoint/2010/main" val="1747833908"/>
-      </p:ext>
-    </p:extLst>
-  </p:cSld>
-  <p:clrMapOvr>
-    <a:masterClrMapping/>
-  </p:clrMapOvr>
-</p:sld>
-</file>
-
-<file path=ppt/slides/slide15.xml><?xml version="1.0" encoding="utf-8"?>
-<p:sld xmlns:a="http://schemas.openxmlformats.org/drawingml/2006/main" xmlns:r="http://schemas.openxmlformats.org/officeDocument/2006/relationships" xmlns:p="http://schemas.openxmlformats.org/presentationml/2006/main">
-  <p:cSld>
-    <p:spTree>
-      <p:nvGrpSpPr>
-        <p:cNvPr id="1" name=""/>
-        <p:cNvGrpSpPr/>
-        <p:nvPr/>
-      </p:nvGrpSpPr>
-      <p:grpSpPr>
-        <a:xfrm>
-          <a:off x="0" y="0"/>
-          <a:ext cx="0" cy="0"/>
-          <a:chOff x="0" y="0"/>
-          <a:chExt cx="0" cy="0"/>
-        </a:xfrm>
-      </p:grpSpPr>
-      <p:sp>
-        <p:nvSpPr>
-          <p:cNvPr id="2" name="Title 1">
-            <a:extLst>
-              <a:ext uri="{FF2B5EF4-FFF2-40B4-BE49-F238E27FC236}">
-                <a16:creationId xmlns:a16="http://schemas.microsoft.com/office/drawing/2014/main" id="{FAAFAF10-FBE5-A8F9-DC2B-F094BE8927E6}"/>
-              </a:ext>
-            </a:extLst>
-          </p:cNvPr>
-          <p:cNvSpPr>
-            <a:spLocks noGrp="1"/>
-          </p:cNvSpPr>
-          <p:nvPr>
-            <p:ph type="title"/>
-          </p:nvPr>
-        </p:nvSpPr>
-        <p:spPr/>
-        <p:txBody>
-          <a:bodyPr/>
-          <a:lstStyle/>
-          <a:p>
-            <a:r>
-              <a:rPr lang="en-US" dirty="0"/>
-              <a:t>Exporting plots</a:t>
-            </a:r>
-          </a:p>
-        </p:txBody>
-      </p:sp>
-      <p:sp>
-        <p:nvSpPr>
-          <p:cNvPr id="3" name="Text Placeholder 2">
-            <a:extLst>
-              <a:ext uri="{FF2B5EF4-FFF2-40B4-BE49-F238E27FC236}">
-                <a16:creationId xmlns:a16="http://schemas.microsoft.com/office/drawing/2014/main" id="{F5E5EBED-6E39-6E0A-A9EC-CC97FE9F1F6A}"/>
-              </a:ext>
-            </a:extLst>
-          </p:cNvPr>
-          <p:cNvSpPr>
-            <a:spLocks noGrp="1"/>
-          </p:cNvSpPr>
-          <p:nvPr>
-            <p:ph type="body" idx="1"/>
-          </p:nvPr>
-        </p:nvSpPr>
-        <p:spPr/>
-        <p:txBody>
-          <a:bodyPr/>
-          <a:lstStyle/>
-          <a:p>
-            <a:endParaRPr lang="en-US"/>
-          </a:p>
-        </p:txBody>
-      </p:sp>
-    </p:spTree>
-    <p:extLst>
-      <p:ext uri="{BB962C8B-B14F-4D97-AF65-F5344CB8AC3E}">
-        <p14:creationId xmlns:p14="http://schemas.microsoft.com/office/powerpoint/2010/main" val="2597836757"/>
-      </p:ext>
-    </p:extLst>
-  </p:cSld>
-  <p:clrMapOvr>
-    <a:masterClrMapping/>
-  </p:clrMapOvr>
-</p:sld>
-</file>
-
-<file path=ppt/slides/slide16.xml><?xml version="1.0" encoding="utf-8"?>
-<p:sld xmlns:a="http://schemas.openxmlformats.org/drawingml/2006/main" xmlns:r="http://schemas.openxmlformats.org/officeDocument/2006/relationships" xmlns:p="http://schemas.openxmlformats.org/presentationml/2006/main">
-  <p:cSld>
-    <p:spTree>
-      <p:nvGrpSpPr>
-        <p:cNvPr id="1" name=""/>
-        <p:cNvGrpSpPr/>
-        <p:nvPr/>
-      </p:nvGrpSpPr>
-      <p:grpSpPr>
-        <a:xfrm>
-          <a:off x="0" y="0"/>
-          <a:ext cx="0" cy="0"/>
-          <a:chOff x="0" y="0"/>
-          <a:chExt cx="0" cy="0"/>
-        </a:xfrm>
-      </p:grpSpPr>
-      <p:pic>
-        <p:nvPicPr>
-          <p:cNvPr id="3" name="Picture 2">
-            <a:extLst>
-              <a:ext uri="{FF2B5EF4-FFF2-40B4-BE49-F238E27FC236}">
-                <a16:creationId xmlns:a16="http://schemas.microsoft.com/office/drawing/2014/main" id="{3DBED789-2DE1-AC77-8ECD-08EEBB4BF922}"/>
-              </a:ext>
-            </a:extLst>
-          </p:cNvPr>
-          <p:cNvPicPr>
-            <a:picLocks noChangeAspect="1"/>
-          </p:cNvPicPr>
-          <p:nvPr/>
-        </p:nvPicPr>
-        <p:blipFill>
-          <a:blip r:embed="rId2"/>
-          <a:stretch>
-            <a:fillRect/>
-          </a:stretch>
-        </p:blipFill>
-        <p:spPr>
-          <a:xfrm>
-            <a:off x="1154021" y="1822450"/>
-            <a:ext cx="9883958" cy="4304030"/>
-          </a:xfrm>
-          <a:prstGeom prst="rect">
-            <a:avLst/>
-          </a:prstGeom>
-        </p:spPr>
-      </p:pic>
-    </p:spTree>
-    <p:extLst>
-      <p:ext uri="{BB962C8B-B14F-4D97-AF65-F5344CB8AC3E}">
-        <p14:creationId xmlns:p14="http://schemas.microsoft.com/office/powerpoint/2010/main" val="629466169"/>
-      </p:ext>
-    </p:extLst>
   </p:cSld>
   <p:clrMapOvr>
     <a:masterClrMapping/>
@@ -5437,7 +4587,7 @@
           <a:p>
             <a:r>
               <a:rPr lang="en-US" dirty="0"/>
-              <a:t>Outline</a:t>
+              <a:t>Why functions?</a:t>
             </a:r>
           </a:p>
         </p:txBody>
@@ -5458,58 +4608,96 @@
             <p:ph idx="1"/>
           </p:nvPr>
         </p:nvSpPr>
-        <p:spPr/>
-        <p:txBody>
-          <a:bodyPr/>
+        <p:spPr>
+          <a:xfrm>
+            <a:off x="838200" y="1951892"/>
+            <a:ext cx="10515600" cy="2677624"/>
+          </a:xfrm>
+        </p:spPr>
+        <p:txBody>
+          <a:bodyPr>
+            <a:normAutofit/>
+          </a:bodyPr>
           <a:lstStyle/>
           <a:p>
             <a:r>
               <a:rPr lang="en-US" dirty="0"/>
-              <a:t>ggplot2 package</a:t>
+              <a:t>You can give a function an evocative name that makes your code easier to understand.</a:t>
             </a:r>
           </a:p>
           <a:p>
             <a:r>
               <a:rPr lang="en-US" dirty="0"/>
-              <a:t>Basic template</a:t>
+              <a:t>As requirements change, you only need to update code in one place, instead of many.</a:t>
             </a:r>
           </a:p>
           <a:p>
             <a:r>
               <a:rPr lang="en-US" dirty="0"/>
-              <a:t>Faceting</a:t>
-            </a:r>
-          </a:p>
-          <a:p>
-            <a:r>
-              <a:rPr lang="en-US" dirty="0"/>
-              <a:t>Theme</a:t>
-            </a:r>
-          </a:p>
-          <a:p>
-            <a:r>
-              <a:rPr lang="en-US" dirty="0"/>
-              <a:t>Arranging plots</a:t>
-            </a:r>
-          </a:p>
-          <a:p>
-            <a:r>
-              <a:rPr lang="en-US" dirty="0"/>
-              <a:t>Exporting plots</a:t>
+              <a:t>You eliminate the chance of making incidental mistakes when you copy and paste (i.e. updating a variable name in one place, but not in another).</a:t>
             </a:r>
           </a:p>
           <a:p>
             <a:endParaRPr lang="en-US" dirty="0"/>
           </a:p>
-          <a:p>
-            <a:endParaRPr lang="en-US" dirty="0"/>
+        </p:txBody>
+      </p:sp>
+      <p:sp>
+        <p:nvSpPr>
+          <p:cNvPr id="4" name="TextBox 3">
+            <a:extLst>
+              <a:ext uri="{FF2B5EF4-FFF2-40B4-BE49-F238E27FC236}">
+                <a16:creationId xmlns:a16="http://schemas.microsoft.com/office/drawing/2014/main" id="{FBA64C9C-EA6B-2C5E-C9C9-7FB824E5428A}"/>
+              </a:ext>
+            </a:extLst>
+          </p:cNvPr>
+          <p:cNvSpPr txBox="1"/>
+          <p:nvPr/>
+        </p:nvSpPr>
+        <p:spPr>
+          <a:xfrm>
+            <a:off x="1115158" y="5156929"/>
+            <a:ext cx="9664211" cy="578882"/>
+          </a:xfrm>
+          <a:prstGeom prst="roundRect">
+            <a:avLst>
+              <a:gd name="adj" fmla="val 17670"/>
+            </a:avLst>
+          </a:prstGeom>
+        </p:spPr>
+        <p:style>
+          <a:lnRef idx="1">
+            <a:schemeClr val="accent2"/>
+          </a:lnRef>
+          <a:fillRef idx="2">
+            <a:schemeClr val="accent2"/>
+          </a:fillRef>
+          <a:effectRef idx="1">
+            <a:schemeClr val="accent2"/>
+          </a:effectRef>
+          <a:fontRef idx="minor">
+            <a:schemeClr val="dk1"/>
+          </a:fontRef>
+        </p:style>
+        <p:txBody>
+          <a:bodyPr wrap="square" rtlCol="0">
+            <a:spAutoFit/>
+          </a:bodyPr>
+          <a:lstStyle/>
+          <a:p>
+            <a:r>
+              <a:rPr lang="en-US" sz="2800" dirty="0">
+                <a:latin typeface="Cambria" panose="02040503050406030204" pitchFamily="18" charset="0"/>
+              </a:rPr>
+              <a:t>If you need to repeat your code three times, write a function.</a:t>
+            </a:r>
           </a:p>
         </p:txBody>
       </p:sp>
     </p:spTree>
     <p:extLst>
       <p:ext uri="{BB962C8B-B14F-4D97-AF65-F5344CB8AC3E}">
-        <p14:creationId xmlns:p14="http://schemas.microsoft.com/office/powerpoint/2010/main" val="417233784"/>
+        <p14:creationId xmlns:p14="http://schemas.microsoft.com/office/powerpoint/2010/main" val="1796646047"/>
       </p:ext>
     </p:extLst>
   </p:cSld>
@@ -5538,58 +4726,10 @@
       </p:grpSpPr>
       <p:sp>
         <p:nvSpPr>
-          <p:cNvPr id="2" name="Content Placeholder 1">
-            <a:extLst>
-              <a:ext uri="{FF2B5EF4-FFF2-40B4-BE49-F238E27FC236}">
-                <a16:creationId xmlns:a16="http://schemas.microsoft.com/office/drawing/2014/main" id="{68F91071-24E0-B497-6C06-B2A8E336C098}"/>
-              </a:ext>
-            </a:extLst>
-          </p:cNvPr>
-          <p:cNvSpPr>
-            <a:spLocks noGrp="1"/>
-          </p:cNvSpPr>
-          <p:nvPr>
-            <p:ph sz="half" idx="1"/>
-          </p:nvPr>
-        </p:nvSpPr>
-        <p:spPr/>
-        <p:txBody>
-          <a:bodyPr anchor="ctr"/>
-          <a:lstStyle/>
-          <a:p>
-            <a:r>
-              <a:rPr lang="en-US" dirty="0"/>
-              <a:t>Create complex and publication quality plots</a:t>
-            </a:r>
-          </a:p>
-          <a:p>
-            <a:r>
-              <a:rPr lang="en-US" dirty="0"/>
-              <a:t>Work best with data in ‘long’ format</a:t>
-            </a:r>
-          </a:p>
-          <a:p>
-            <a:r>
-              <a:rPr lang="en-US" dirty="0" err="1"/>
-              <a:t>ggplot</a:t>
-            </a:r>
-            <a:r>
-              <a:rPr lang="en-US" dirty="0"/>
-              <a:t> graphics are built </a:t>
-            </a:r>
-            <a:r>
-              <a:rPr lang="en-US" b="1" dirty="0"/>
-              <a:t>layer by layer</a:t>
-            </a:r>
-          </a:p>
-        </p:txBody>
-      </p:sp>
-      <p:sp>
-        <p:nvSpPr>
-          <p:cNvPr id="4" name="Title 3">
-            <a:extLst>
-              <a:ext uri="{FF2B5EF4-FFF2-40B4-BE49-F238E27FC236}">
-                <a16:creationId xmlns:a16="http://schemas.microsoft.com/office/drawing/2014/main" id="{EBE059A8-2F7C-2409-949B-BE8E45C4BFBE}"/>
+          <p:cNvPr id="2" name="Title 1">
+            <a:extLst>
+              <a:ext uri="{FF2B5EF4-FFF2-40B4-BE49-F238E27FC236}">
+                <a16:creationId xmlns:a16="http://schemas.microsoft.com/office/drawing/2014/main" id="{D5FC9C79-1AB0-A5DF-19CB-15FEE4347046}"/>
               </a:ext>
             </a:extLst>
           </p:cNvPr>
@@ -5606,60 +4746,86 @@
           <a:lstStyle/>
           <a:p>
             <a:r>
-              <a:rPr lang="en-US" dirty="0">
-                <a:latin typeface="Fira Code Retina" pitchFamily="49" charset="0"/>
-                <a:ea typeface="Fira Code Retina" pitchFamily="49" charset="0"/>
-                <a:cs typeface="Fira Code Retina" pitchFamily="49" charset="0"/>
-              </a:rPr>
-              <a:t>ggplot2 </a:t>
-            </a:r>
-            <a:r>
-              <a:rPr lang="en-US" dirty="0">
-                <a:ea typeface="Fira Code Retina" pitchFamily="49" charset="0"/>
-                <a:cs typeface="Fira Code Retina" pitchFamily="49" charset="0"/>
-              </a:rPr>
-              <a:t>package</a:t>
-            </a:r>
-            <a:endParaRPr lang="en-US" dirty="0"/>
-          </a:p>
-        </p:txBody>
-      </p:sp>
-      <p:pic>
-        <p:nvPicPr>
-          <p:cNvPr id="5" name="Content Placeholder 4">
-            <a:extLst>
-              <a:ext uri="{FF2B5EF4-FFF2-40B4-BE49-F238E27FC236}">
-                <a16:creationId xmlns:a16="http://schemas.microsoft.com/office/drawing/2014/main" id="{5ACA9A29-A5AD-5C33-8C1A-E77C019E0204}"/>
-              </a:ext>
-            </a:extLst>
-          </p:cNvPr>
-          <p:cNvPicPr>
-            <a:picLocks noGrp="1" noChangeAspect="1"/>
-          </p:cNvPicPr>
-          <p:nvPr>
-            <p:ph sz="half" idx="2"/>
-          </p:nvPr>
-        </p:nvPicPr>
-        <p:blipFill>
-          <a:blip r:embed="rId2"/>
-          <a:stretch>
-            <a:fillRect/>
-          </a:stretch>
-        </p:blipFill>
+              <a:rPr lang="en-US" dirty="0"/>
+              <a:t>Three steps to creating a function</a:t>
+            </a:r>
+          </a:p>
+        </p:txBody>
+      </p:sp>
+      <p:sp>
+        <p:nvSpPr>
+          <p:cNvPr id="3" name="Content Placeholder 2">
+            <a:extLst>
+              <a:ext uri="{FF2B5EF4-FFF2-40B4-BE49-F238E27FC236}">
+                <a16:creationId xmlns:a16="http://schemas.microsoft.com/office/drawing/2014/main" id="{5CD9D3D3-CDF7-9C76-1805-26E4CF2D3029}"/>
+              </a:ext>
+            </a:extLst>
+          </p:cNvPr>
+          <p:cNvSpPr>
+            <a:spLocks noGrp="1"/>
+          </p:cNvSpPr>
+          <p:nvPr>
+            <p:ph idx="1"/>
+          </p:nvPr>
+        </p:nvSpPr>
         <p:spPr>
           <a:xfrm>
-            <a:off x="6172200" y="2053876"/>
-            <a:ext cx="5181600" cy="3894836"/>
+            <a:off x="838200" y="1951891"/>
+            <a:ext cx="10515600" cy="4014193"/>
           </a:xfrm>
-          <a:prstGeom prst="rect">
-            <a:avLst/>
-          </a:prstGeom>
         </p:spPr>
-      </p:pic>
+        <p:txBody>
+          <a:bodyPr>
+            <a:normAutofit/>
+          </a:bodyPr>
+          <a:lstStyle/>
+          <a:p>
+            <a:r>
+              <a:rPr lang="en-US" dirty="0"/>
+              <a:t>Pick a </a:t>
+            </a:r>
+            <a:r>
+              <a:rPr lang="en-US" b="1" dirty="0"/>
+              <a:t>name</a:t>
+            </a:r>
+          </a:p>
+          <a:p>
+            <a:r>
+              <a:rPr lang="en-US" dirty="0"/>
+              <a:t>List the inputs (or </a:t>
+            </a:r>
+            <a:r>
+              <a:rPr lang="en-US" b="1" dirty="0"/>
+              <a:t>arguments</a:t>
+            </a:r>
+            <a:r>
+              <a:rPr lang="en-US" dirty="0"/>
+              <a:t>)</a:t>
+            </a:r>
+          </a:p>
+          <a:p>
+            <a:r>
+              <a:rPr lang="en-US" dirty="0"/>
+              <a:t>Write the code in </a:t>
+            </a:r>
+            <a:r>
+              <a:rPr lang="en-US" b="1" dirty="0"/>
+              <a:t>body</a:t>
+            </a:r>
+            <a:r>
+              <a:rPr lang="en-US" dirty="0"/>
+              <a:t> of the function</a:t>
+            </a:r>
+          </a:p>
+          <a:p>
+            <a:endParaRPr lang="en-US" dirty="0"/>
+          </a:p>
+        </p:txBody>
+      </p:sp>
     </p:spTree>
     <p:extLst>
       <p:ext uri="{BB962C8B-B14F-4D97-AF65-F5344CB8AC3E}">
-        <p14:creationId xmlns:p14="http://schemas.microsoft.com/office/powerpoint/2010/main" val="4270795371"/>
+        <p14:creationId xmlns:p14="http://schemas.microsoft.com/office/powerpoint/2010/main" val="2351721790"/>
       </p:ext>
     </p:extLst>
   </p:cSld>
@@ -5691,7 +4857,7 @@
           <p:cNvPr id="2" name="Title 1">
             <a:extLst>
               <a:ext uri="{FF2B5EF4-FFF2-40B4-BE49-F238E27FC236}">
-                <a16:creationId xmlns:a16="http://schemas.microsoft.com/office/drawing/2014/main" id="{E5DB22F4-B085-F1E0-D622-681EAE5539A6}"/>
+                <a16:creationId xmlns:a16="http://schemas.microsoft.com/office/drawing/2014/main" id="{26076225-6D2C-DBB7-92BB-1A6928FC3F59}"/>
               </a:ext>
             </a:extLst>
           </p:cNvPr>
@@ -5708,1296 +4874,85 @@
           <a:lstStyle/>
           <a:p>
             <a:r>
-              <a:rPr lang="en-US" dirty="0">
-                <a:ea typeface="Fira Code Retina" pitchFamily="49" charset="0"/>
-                <a:cs typeface="Fira Code Retina" pitchFamily="49" charset="0"/>
-              </a:rPr>
-              <a:t>Basic template</a:t>
-            </a:r>
-            <a:endParaRPr lang="en-US" dirty="0"/>
-          </a:p>
-        </p:txBody>
-      </p:sp>
-      <p:sp>
-        <p:nvSpPr>
-          <p:cNvPr id="4" name="TextBox 3">
-            <a:extLst>
-              <a:ext uri="{FF2B5EF4-FFF2-40B4-BE49-F238E27FC236}">
-                <a16:creationId xmlns:a16="http://schemas.microsoft.com/office/drawing/2014/main" id="{77AF7DE5-7E86-8DD7-8F20-295007DEA097}"/>
-              </a:ext>
-            </a:extLst>
-          </p:cNvPr>
-          <p:cNvSpPr txBox="1"/>
-          <p:nvPr/>
-        </p:nvSpPr>
-        <p:spPr>
-          <a:xfrm>
-            <a:off x="609600" y="3920432"/>
-            <a:ext cx="6019800" cy="787450"/>
-          </a:xfrm>
-          <a:prstGeom prst="roundRect">
-            <a:avLst/>
-          </a:prstGeom>
-          <a:solidFill>
-            <a:schemeClr val="bg1">
-              <a:lumMod val="95000"/>
-            </a:schemeClr>
-          </a:solidFill>
-          <a:ln>
-            <a:solidFill>
-              <a:schemeClr val="bg1">
-                <a:lumMod val="50000"/>
-              </a:schemeClr>
-            </a:solidFill>
-          </a:ln>
-        </p:spPr>
-        <p:style>
-          <a:lnRef idx="2">
-            <a:schemeClr val="accent2">
-              <a:shade val="50000"/>
-            </a:schemeClr>
-          </a:lnRef>
-          <a:fillRef idx="1">
-            <a:schemeClr val="accent2"/>
-          </a:fillRef>
-          <a:effectRef idx="0">
-            <a:schemeClr val="accent2"/>
-          </a:effectRef>
-          <a:fontRef idx="minor">
-            <a:schemeClr val="lt1"/>
-          </a:fontRef>
-        </p:style>
-        <p:txBody>
-          <a:bodyPr wrap="square" rtlCol="0">
-            <a:spAutoFit/>
-          </a:bodyPr>
+              <a:rPr lang="en-US" dirty="0"/>
+              <a:t>Naming functions</a:t>
+            </a:r>
+          </a:p>
+        </p:txBody>
+      </p:sp>
+      <p:sp>
+        <p:nvSpPr>
+          <p:cNvPr id="3" name="Content Placeholder 2">
+            <a:extLst>
+              <a:ext uri="{FF2B5EF4-FFF2-40B4-BE49-F238E27FC236}">
+                <a16:creationId xmlns:a16="http://schemas.microsoft.com/office/drawing/2014/main" id="{FD204BA5-DAA4-558A-D563-A529126697FF}"/>
+              </a:ext>
+            </a:extLst>
+          </p:cNvPr>
+          <p:cNvSpPr>
+            <a:spLocks noGrp="1"/>
+          </p:cNvSpPr>
+          <p:nvPr>
+            <p:ph idx="1"/>
+          </p:nvPr>
+        </p:nvSpPr>
+        <p:spPr/>
+        <p:txBody>
+          <a:bodyPr/>
           <a:lstStyle/>
           <a:p>
-            <a:pPr>
-              <a:lnSpc>
-                <a:spcPct val="150000"/>
-              </a:lnSpc>
-            </a:pPr>
-            <a:r>
-              <a:rPr lang="en-SG" sz="1400" dirty="0" err="1">
-                <a:solidFill>
-                  <a:schemeClr val="bg2">
-                    <a:lumMod val="25000"/>
-                  </a:schemeClr>
-                </a:solidFill>
+            <a:pPr algn="l"/>
+            <a:r>
+              <a:rPr lang="en-SG" dirty="0"/>
+              <a:t>Short, but clearly evoke what the function does.</a:t>
+            </a:r>
+          </a:p>
+          <a:p>
+            <a:pPr algn="l"/>
+            <a:r>
+              <a:rPr lang="en-SG" dirty="0"/>
+              <a:t>But it’s better to be clear than short, as RStudio’s autocomplete makes it easy to type long names.</a:t>
+            </a:r>
+          </a:p>
+          <a:p>
+            <a:pPr algn="l"/>
+            <a:r>
+              <a:rPr lang="en-SG" dirty="0"/>
+              <a:t>Generally, function names should be verbs, and arguments should be nouns.</a:t>
+            </a:r>
+          </a:p>
+          <a:p>
+            <a:pPr algn="l"/>
+            <a:r>
+              <a:rPr lang="en-SG" dirty="0"/>
+              <a:t>Recommend using </a:t>
+            </a:r>
+            <a:r>
+              <a:rPr lang="en-SG" dirty="0" err="1">
                 <a:latin typeface="Fira Code Retina" pitchFamily="49" charset="0"/>
                 <a:ea typeface="Fira Code Retina" pitchFamily="49" charset="0"/>
                 <a:cs typeface="Fira Code Retina" pitchFamily="49" charset="0"/>
               </a:rPr>
-              <a:t>ggplot</a:t>
-            </a:r>
-            <a:r>
-              <a:rPr lang="en-SG" sz="1400" dirty="0">
-                <a:solidFill>
-                  <a:schemeClr val="bg2">
-                    <a:lumMod val="25000"/>
-                  </a:schemeClr>
-                </a:solidFill>
-                <a:latin typeface="Fira Code Retina" pitchFamily="49" charset="0"/>
-                <a:ea typeface="Fira Code Retina" pitchFamily="49" charset="0"/>
-                <a:cs typeface="Fira Code Retina" pitchFamily="49" charset="0"/>
-              </a:rPr>
-              <a:t>(</a:t>
-            </a:r>
-            <a:r>
-              <a:rPr lang="en-SG" sz="1400" dirty="0">
-                <a:solidFill>
-                  <a:schemeClr val="bg2">
-                    <a:lumMod val="25000"/>
-                  </a:schemeClr>
-                </a:solidFill>
-                <a:highlight>
-                  <a:srgbClr val="00FF00"/>
-                </a:highlight>
-                <a:latin typeface="Fira Code Retina" pitchFamily="49" charset="0"/>
-                <a:ea typeface="Fira Code Retina" pitchFamily="49" charset="0"/>
-                <a:cs typeface="Fira Code Retina" pitchFamily="49" charset="0"/>
-              </a:rPr>
-              <a:t>data</a:t>
-            </a:r>
-            <a:r>
-              <a:rPr lang="en-SG" sz="1400" dirty="0">
-                <a:solidFill>
-                  <a:schemeClr val="bg2">
-                    <a:lumMod val="25000"/>
-                  </a:schemeClr>
-                </a:solidFill>
-                <a:latin typeface="Fira Code Retina" pitchFamily="49" charset="0"/>
-                <a:ea typeface="Fira Code Retina" pitchFamily="49" charset="0"/>
-                <a:cs typeface="Fira Code Retina" pitchFamily="49" charset="0"/>
-              </a:rPr>
-              <a:t> = &lt;</a:t>
-            </a:r>
-            <a:r>
-              <a:rPr lang="en-SG" sz="1400" dirty="0">
-                <a:solidFill>
-                  <a:schemeClr val="bg2">
-                    <a:lumMod val="25000"/>
-                  </a:schemeClr>
-                </a:solidFill>
-                <a:highlight>
-                  <a:srgbClr val="00FFFF"/>
-                </a:highlight>
-                <a:latin typeface="Fira Code Retina" pitchFamily="49" charset="0"/>
-                <a:ea typeface="Fira Code Retina" pitchFamily="49" charset="0"/>
-                <a:cs typeface="Fira Code Retina" pitchFamily="49" charset="0"/>
-              </a:rPr>
-              <a:t>DATA</a:t>
-            </a:r>
-            <a:r>
-              <a:rPr lang="en-SG" sz="1400" dirty="0">
-                <a:solidFill>
-                  <a:schemeClr val="bg2">
-                    <a:lumMod val="25000"/>
-                  </a:schemeClr>
-                </a:solidFill>
-                <a:latin typeface="Fira Code Retina" pitchFamily="49" charset="0"/>
-                <a:ea typeface="Fira Code Retina" pitchFamily="49" charset="0"/>
-                <a:cs typeface="Fira Code Retina" pitchFamily="49" charset="0"/>
-              </a:rPr>
-              <a:t>&gt;, </a:t>
-            </a:r>
-            <a:r>
-              <a:rPr lang="en-SG" sz="1400" dirty="0">
-                <a:solidFill>
-                  <a:schemeClr val="bg2">
-                    <a:lumMod val="25000"/>
-                  </a:schemeClr>
-                </a:solidFill>
-                <a:highlight>
-                  <a:srgbClr val="00FF00"/>
-                </a:highlight>
-                <a:latin typeface="Fira Code Retina" pitchFamily="49" charset="0"/>
-                <a:ea typeface="Fira Code Retina" pitchFamily="49" charset="0"/>
-                <a:cs typeface="Fira Code Retina" pitchFamily="49" charset="0"/>
-              </a:rPr>
-              <a:t>mapping</a:t>
-            </a:r>
-            <a:r>
-              <a:rPr lang="en-SG" sz="1400" dirty="0">
-                <a:solidFill>
-                  <a:schemeClr val="bg2">
-                    <a:lumMod val="25000"/>
-                  </a:schemeClr>
-                </a:solidFill>
-                <a:latin typeface="Fira Code Retina" pitchFamily="49" charset="0"/>
-                <a:ea typeface="Fira Code Retina" pitchFamily="49" charset="0"/>
-                <a:cs typeface="Fira Code Retina" pitchFamily="49" charset="0"/>
-              </a:rPr>
-              <a:t> = </a:t>
-            </a:r>
-            <a:r>
-              <a:rPr lang="en-SG" sz="1400" dirty="0" err="1">
-                <a:solidFill>
-                  <a:schemeClr val="bg2">
-                    <a:lumMod val="25000"/>
-                  </a:schemeClr>
-                </a:solidFill>
-                <a:latin typeface="Fira Code Retina" pitchFamily="49" charset="0"/>
-                <a:ea typeface="Fira Code Retina" pitchFamily="49" charset="0"/>
-                <a:cs typeface="Fira Code Retina" pitchFamily="49" charset="0"/>
-              </a:rPr>
-              <a:t>aes</a:t>
-            </a:r>
-            <a:r>
-              <a:rPr lang="en-SG" sz="1400" dirty="0">
-                <a:solidFill>
-                  <a:schemeClr val="bg2">
-                    <a:lumMod val="25000"/>
-                  </a:schemeClr>
-                </a:solidFill>
-                <a:latin typeface="Fira Code Retina" pitchFamily="49" charset="0"/>
-                <a:ea typeface="Fira Code Retina" pitchFamily="49" charset="0"/>
-                <a:cs typeface="Fira Code Retina" pitchFamily="49" charset="0"/>
-              </a:rPr>
-              <a:t>(&lt;</a:t>
-            </a:r>
-            <a:r>
-              <a:rPr lang="en-SG" sz="1400" dirty="0">
-                <a:solidFill>
-                  <a:schemeClr val="bg2">
-                    <a:lumMod val="25000"/>
-                  </a:schemeClr>
-                </a:solidFill>
-                <a:highlight>
-                  <a:srgbClr val="00FFFF"/>
-                </a:highlight>
-                <a:latin typeface="Fira Code Retina" pitchFamily="49" charset="0"/>
-                <a:ea typeface="Fira Code Retina" pitchFamily="49" charset="0"/>
-                <a:cs typeface="Fira Code Retina" pitchFamily="49" charset="0"/>
-              </a:rPr>
-              <a:t>MAPPINGS</a:t>
-            </a:r>
-            <a:r>
-              <a:rPr lang="en-SG" sz="1400" dirty="0">
-                <a:solidFill>
-                  <a:schemeClr val="bg2">
-                    <a:lumMod val="25000"/>
-                  </a:schemeClr>
-                </a:solidFill>
-                <a:latin typeface="Fira Code Retina" pitchFamily="49" charset="0"/>
-                <a:ea typeface="Fira Code Retina" pitchFamily="49" charset="0"/>
-                <a:cs typeface="Fira Code Retina" pitchFamily="49" charset="0"/>
-              </a:rPr>
-              <a:t>&gt;)) + </a:t>
-            </a:r>
-          </a:p>
-          <a:p>
-            <a:pPr>
-              <a:lnSpc>
-                <a:spcPct val="150000"/>
-              </a:lnSpc>
-            </a:pPr>
-            <a:r>
-              <a:rPr lang="en-SG" sz="1400" dirty="0">
-                <a:solidFill>
-                  <a:schemeClr val="bg2">
-                    <a:lumMod val="25000"/>
-                  </a:schemeClr>
-                </a:solidFill>
-                <a:latin typeface="Fira Code Retina" pitchFamily="49" charset="0"/>
-                <a:ea typeface="Fira Code Retina" pitchFamily="49" charset="0"/>
-                <a:cs typeface="Fira Code Retina" pitchFamily="49" charset="0"/>
-              </a:rPr>
-              <a:t>  &lt;</a:t>
-            </a:r>
-            <a:r>
-              <a:rPr lang="en-SG" sz="1400" dirty="0">
-                <a:solidFill>
-                  <a:schemeClr val="bg2">
-                    <a:lumMod val="25000"/>
-                  </a:schemeClr>
-                </a:solidFill>
-                <a:highlight>
-                  <a:srgbClr val="00FFFF"/>
-                </a:highlight>
-                <a:latin typeface="Fira Code Retina" pitchFamily="49" charset="0"/>
-                <a:ea typeface="Fira Code Retina" pitchFamily="49" charset="0"/>
-                <a:cs typeface="Fira Code Retina" pitchFamily="49" charset="0"/>
-              </a:rPr>
-              <a:t>GEOM_FUNCTION</a:t>
-            </a:r>
-            <a:r>
-              <a:rPr lang="en-SG" sz="1400" dirty="0">
-                <a:solidFill>
-                  <a:schemeClr val="bg2">
-                    <a:lumMod val="25000"/>
-                  </a:schemeClr>
-                </a:solidFill>
-                <a:latin typeface="Fira Code Retina" pitchFamily="49" charset="0"/>
-                <a:ea typeface="Fira Code Retina" pitchFamily="49" charset="0"/>
-                <a:cs typeface="Fira Code Retina" pitchFamily="49" charset="0"/>
-              </a:rPr>
-              <a:t>&gt;()</a:t>
-            </a:r>
-            <a:endParaRPr lang="en-SG" sz="1400" b="0" i="0" dirty="0">
-              <a:solidFill>
-                <a:schemeClr val="bg2">
-                  <a:lumMod val="25000"/>
-                </a:schemeClr>
-              </a:solidFill>
-              <a:effectLst/>
+              <a:t>snake_case</a:t>
+            </a:r>
+            <a:endParaRPr lang="en-SG" dirty="0">
               <a:latin typeface="Fira Code Retina" pitchFamily="49" charset="0"/>
               <a:ea typeface="Fira Code Retina" pitchFamily="49" charset="0"/>
               <a:cs typeface="Fira Code Retina" pitchFamily="49" charset="0"/>
             </a:endParaRPr>
           </a:p>
-        </p:txBody>
-      </p:sp>
-      <p:pic>
-        <p:nvPicPr>
-          <p:cNvPr id="9" name="Picture 8">
-            <a:extLst>
-              <a:ext uri="{FF2B5EF4-FFF2-40B4-BE49-F238E27FC236}">
-                <a16:creationId xmlns:a16="http://schemas.microsoft.com/office/drawing/2014/main" id="{FE8F8E3F-8F92-48B5-193E-7E7965EE0108}"/>
-              </a:ext>
-            </a:extLst>
-          </p:cNvPr>
-          <p:cNvPicPr>
-            <a:picLocks noChangeAspect="1"/>
-          </p:cNvPicPr>
-          <p:nvPr/>
-        </p:nvPicPr>
-        <p:blipFill>
-          <a:blip r:embed="rId2"/>
-          <a:stretch>
-            <a:fillRect/>
-          </a:stretch>
-        </p:blipFill>
-        <p:spPr>
-          <a:xfrm>
-            <a:off x="609600" y="5193063"/>
-            <a:ext cx="10934348" cy="1093435"/>
-          </a:xfrm>
-          <a:prstGeom prst="rect">
-            <a:avLst/>
-          </a:prstGeom>
-        </p:spPr>
-      </p:pic>
-      <p:pic>
-        <p:nvPicPr>
-          <p:cNvPr id="10" name="Picture 9">
-            <a:extLst>
-              <a:ext uri="{FF2B5EF4-FFF2-40B4-BE49-F238E27FC236}">
-                <a16:creationId xmlns:a16="http://schemas.microsoft.com/office/drawing/2014/main" id="{2F7E48CE-E0FC-1F61-49BB-9C6717AD1AD1}"/>
-              </a:ext>
-            </a:extLst>
-          </p:cNvPr>
-          <p:cNvPicPr>
-            <a:picLocks noChangeAspect="1"/>
-          </p:cNvPicPr>
-          <p:nvPr/>
-        </p:nvPicPr>
-        <p:blipFill>
-          <a:blip r:embed="rId3"/>
-          <a:stretch>
-            <a:fillRect/>
-          </a:stretch>
-        </p:blipFill>
-        <p:spPr>
-          <a:xfrm>
-            <a:off x="7085613" y="1825625"/>
-            <a:ext cx="4458335" cy="3184525"/>
-          </a:xfrm>
-          <a:prstGeom prst="rect">
-            <a:avLst/>
-          </a:prstGeom>
-        </p:spPr>
-      </p:pic>
-      <p:sp>
-        <p:nvSpPr>
-          <p:cNvPr id="16" name="Content Placeholder 1">
-            <a:extLst>
-              <a:ext uri="{FF2B5EF4-FFF2-40B4-BE49-F238E27FC236}">
-                <a16:creationId xmlns:a16="http://schemas.microsoft.com/office/drawing/2014/main" id="{F311F2CA-33BB-2AA1-9ADB-E74A060502F4}"/>
-              </a:ext>
-            </a:extLst>
-          </p:cNvPr>
-          <p:cNvSpPr>
-            <a:spLocks noGrp="1"/>
-          </p:cNvSpPr>
-          <p:nvPr>
-            <p:ph sz="half" idx="1"/>
-          </p:nvPr>
-        </p:nvSpPr>
-        <p:spPr>
-          <a:xfrm>
-            <a:off x="838200" y="1825625"/>
-            <a:ext cx="5181600" cy="1603375"/>
-          </a:xfrm>
-        </p:spPr>
-        <p:txBody>
-          <a:bodyPr anchor="t">
-            <a:normAutofit/>
-          </a:bodyPr>
-          <a:lstStyle/>
-          <a:p>
-            <a:pPr marL="457200" indent="-457200">
-              <a:buFont typeface="+mj-lt"/>
-              <a:buAutoNum type="arabicPeriod"/>
+          <a:p>
+            <a:pPr marL="0" indent="0" algn="l">
+              <a:buNone/>
             </a:pPr>
-            <a:r>
-              <a:rPr lang="en-US" sz="2000" dirty="0"/>
-              <a:t>Base plot</a:t>
-            </a:r>
-          </a:p>
-          <a:p>
-            <a:pPr marL="457200" indent="-457200">
-              <a:buFont typeface="+mj-lt"/>
-              <a:buAutoNum type="arabicPeriod"/>
-            </a:pPr>
-            <a:r>
-              <a:rPr lang="en-US" sz="2000" dirty="0" err="1"/>
-              <a:t>Geom</a:t>
-            </a:r>
-            <a:r>
-              <a:rPr lang="en-US" sz="2000" dirty="0"/>
-              <a:t> layer</a:t>
-            </a:r>
+            <a:endParaRPr lang="en-SG" dirty="0"/>
           </a:p>
         </p:txBody>
       </p:sp>
     </p:spTree>
     <p:extLst>
       <p:ext uri="{BB962C8B-B14F-4D97-AF65-F5344CB8AC3E}">
-        <p14:creationId xmlns:p14="http://schemas.microsoft.com/office/powerpoint/2010/main" val="551678160"/>
-      </p:ext>
-    </p:extLst>
-  </p:cSld>
-  <p:clrMapOvr>
-    <a:masterClrMapping/>
-  </p:clrMapOvr>
-</p:sld>
-</file>
-
-<file path=ppt/slides/slide5.xml><?xml version="1.0" encoding="utf-8"?>
-<p:sld xmlns:a="http://schemas.openxmlformats.org/drawingml/2006/main" xmlns:r="http://schemas.openxmlformats.org/officeDocument/2006/relationships" xmlns:p="http://schemas.openxmlformats.org/presentationml/2006/main">
-  <p:cSld>
-    <p:spTree>
-      <p:nvGrpSpPr>
-        <p:cNvPr id="1" name=""/>
-        <p:cNvGrpSpPr/>
-        <p:nvPr/>
-      </p:nvGrpSpPr>
-      <p:grpSpPr>
-        <a:xfrm>
-          <a:off x="0" y="0"/>
-          <a:ext cx="0" cy="0"/>
-          <a:chOff x="0" y="0"/>
-          <a:chExt cx="0" cy="0"/>
-        </a:xfrm>
-      </p:grpSpPr>
-      <p:sp>
-        <p:nvSpPr>
-          <p:cNvPr id="2" name="Title 1">
-            <a:extLst>
-              <a:ext uri="{FF2B5EF4-FFF2-40B4-BE49-F238E27FC236}">
-                <a16:creationId xmlns:a16="http://schemas.microsoft.com/office/drawing/2014/main" id="{E5DB22F4-B085-F1E0-D622-681EAE5539A6}"/>
-              </a:ext>
-            </a:extLst>
-          </p:cNvPr>
-          <p:cNvSpPr>
-            <a:spLocks noGrp="1"/>
-          </p:cNvSpPr>
-          <p:nvPr>
-            <p:ph type="title"/>
-          </p:nvPr>
-        </p:nvSpPr>
-        <p:spPr/>
-        <p:txBody>
-          <a:bodyPr/>
-          <a:lstStyle/>
-          <a:p>
-            <a:r>
-              <a:rPr lang="en-US" dirty="0">
-                <a:ea typeface="Fira Code Retina" pitchFamily="49" charset="0"/>
-                <a:cs typeface="Fira Code Retina" pitchFamily="49" charset="0"/>
-              </a:rPr>
-              <a:t>Pipe</a:t>
-            </a:r>
-            <a:endParaRPr lang="en-US" dirty="0"/>
-          </a:p>
-        </p:txBody>
-      </p:sp>
-      <p:sp>
-        <p:nvSpPr>
-          <p:cNvPr id="4" name="TextBox 3">
-            <a:extLst>
-              <a:ext uri="{FF2B5EF4-FFF2-40B4-BE49-F238E27FC236}">
-                <a16:creationId xmlns:a16="http://schemas.microsoft.com/office/drawing/2014/main" id="{77AF7DE5-7E86-8DD7-8F20-295007DEA097}"/>
-              </a:ext>
-            </a:extLst>
-          </p:cNvPr>
-          <p:cNvSpPr txBox="1"/>
-          <p:nvPr/>
-        </p:nvSpPr>
-        <p:spPr>
-          <a:xfrm>
-            <a:off x="609600" y="3942062"/>
-            <a:ext cx="6019800" cy="787450"/>
-          </a:xfrm>
-          <a:prstGeom prst="roundRect">
-            <a:avLst/>
-          </a:prstGeom>
-          <a:solidFill>
-            <a:schemeClr val="bg1">
-              <a:lumMod val="95000"/>
-            </a:schemeClr>
-          </a:solidFill>
-          <a:ln>
-            <a:solidFill>
-              <a:schemeClr val="bg1">
-                <a:lumMod val="50000"/>
-              </a:schemeClr>
-            </a:solidFill>
-          </a:ln>
-        </p:spPr>
-        <p:style>
-          <a:lnRef idx="2">
-            <a:schemeClr val="accent2">
-              <a:shade val="50000"/>
-            </a:schemeClr>
-          </a:lnRef>
-          <a:fillRef idx="1">
-            <a:schemeClr val="accent2"/>
-          </a:fillRef>
-          <a:effectRef idx="0">
-            <a:schemeClr val="accent2"/>
-          </a:effectRef>
-          <a:fontRef idx="minor">
-            <a:schemeClr val="lt1"/>
-          </a:fontRef>
-        </p:style>
-        <p:txBody>
-          <a:bodyPr wrap="square" rtlCol="0">
-            <a:spAutoFit/>
-          </a:bodyPr>
-          <a:lstStyle/>
-          <a:p>
-            <a:pPr>
-              <a:lnSpc>
-                <a:spcPct val="150000"/>
-              </a:lnSpc>
-            </a:pPr>
-            <a:r>
-              <a:rPr lang="en-SG" sz="1400" dirty="0" err="1">
-                <a:solidFill>
-                  <a:schemeClr val="bg2">
-                    <a:lumMod val="25000"/>
-                  </a:schemeClr>
-                </a:solidFill>
-                <a:latin typeface="Fira Code Retina" pitchFamily="49" charset="0"/>
-                <a:ea typeface="Fira Code Retina" pitchFamily="49" charset="0"/>
-                <a:cs typeface="Fira Code Retina" pitchFamily="49" charset="0"/>
-              </a:rPr>
-              <a:t>ggplot</a:t>
-            </a:r>
-            <a:r>
-              <a:rPr lang="en-SG" sz="1400" dirty="0">
-                <a:solidFill>
-                  <a:schemeClr val="bg2">
-                    <a:lumMod val="25000"/>
-                  </a:schemeClr>
-                </a:solidFill>
-                <a:latin typeface="Fira Code Retina" pitchFamily="49" charset="0"/>
-                <a:ea typeface="Fira Code Retina" pitchFamily="49" charset="0"/>
-                <a:cs typeface="Fira Code Retina" pitchFamily="49" charset="0"/>
-              </a:rPr>
-              <a:t>(data = &lt;DATA&gt;, mapping = </a:t>
-            </a:r>
-            <a:r>
-              <a:rPr lang="en-SG" sz="1400" dirty="0" err="1">
-                <a:solidFill>
-                  <a:schemeClr val="bg2">
-                    <a:lumMod val="25000"/>
-                  </a:schemeClr>
-                </a:solidFill>
-                <a:latin typeface="Fira Code Retina" pitchFamily="49" charset="0"/>
-                <a:ea typeface="Fira Code Retina" pitchFamily="49" charset="0"/>
-                <a:cs typeface="Fira Code Retina" pitchFamily="49" charset="0"/>
-              </a:rPr>
-              <a:t>aes</a:t>
-            </a:r>
-            <a:r>
-              <a:rPr lang="en-SG" sz="1400" dirty="0">
-                <a:solidFill>
-                  <a:schemeClr val="bg2">
-                    <a:lumMod val="25000"/>
-                  </a:schemeClr>
-                </a:solidFill>
-                <a:latin typeface="Fira Code Retina" pitchFamily="49" charset="0"/>
-                <a:ea typeface="Fira Code Retina" pitchFamily="49" charset="0"/>
-                <a:cs typeface="Fira Code Retina" pitchFamily="49" charset="0"/>
-              </a:rPr>
-              <a:t>(&lt;MAPPINGS&gt;)) </a:t>
-            </a:r>
-            <a:r>
-              <a:rPr lang="en-SG" sz="1400" dirty="0">
-                <a:solidFill>
-                  <a:schemeClr val="bg2">
-                    <a:lumMod val="25000"/>
-                  </a:schemeClr>
-                </a:solidFill>
-                <a:highlight>
-                  <a:srgbClr val="00FFFF"/>
-                </a:highlight>
-                <a:latin typeface="Fira Code Retina" pitchFamily="49" charset="0"/>
-                <a:ea typeface="Fira Code Retina" pitchFamily="49" charset="0"/>
-                <a:cs typeface="Fira Code Retina" pitchFamily="49" charset="0"/>
-              </a:rPr>
-              <a:t>+</a:t>
-            </a:r>
-            <a:r>
-              <a:rPr lang="en-SG" sz="1400" dirty="0">
-                <a:solidFill>
-                  <a:schemeClr val="bg2">
-                    <a:lumMod val="25000"/>
-                  </a:schemeClr>
-                </a:solidFill>
-                <a:latin typeface="Fira Code Retina" pitchFamily="49" charset="0"/>
-                <a:ea typeface="Fira Code Retina" pitchFamily="49" charset="0"/>
-                <a:cs typeface="Fira Code Retina" pitchFamily="49" charset="0"/>
-              </a:rPr>
-              <a:t> </a:t>
-            </a:r>
-          </a:p>
-          <a:p>
-            <a:pPr>
-              <a:lnSpc>
-                <a:spcPct val="150000"/>
-              </a:lnSpc>
-            </a:pPr>
-            <a:r>
-              <a:rPr lang="en-SG" sz="1400" dirty="0">
-                <a:solidFill>
-                  <a:schemeClr val="bg2">
-                    <a:lumMod val="25000"/>
-                  </a:schemeClr>
-                </a:solidFill>
-                <a:latin typeface="Fira Code Retina" pitchFamily="49" charset="0"/>
-                <a:ea typeface="Fira Code Retina" pitchFamily="49" charset="0"/>
-                <a:cs typeface="Fira Code Retina" pitchFamily="49" charset="0"/>
-              </a:rPr>
-              <a:t>  &lt;GEOM_FUNCTION&gt;()</a:t>
-            </a:r>
-            <a:endParaRPr lang="en-SG" sz="1400" b="0" i="0" dirty="0">
-              <a:solidFill>
-                <a:schemeClr val="bg2">
-                  <a:lumMod val="25000"/>
-                </a:schemeClr>
-              </a:solidFill>
-              <a:effectLst/>
-              <a:latin typeface="Fira Code Retina" pitchFamily="49" charset="0"/>
-              <a:ea typeface="Fira Code Retina" pitchFamily="49" charset="0"/>
-              <a:cs typeface="Fira Code Retina" pitchFamily="49" charset="0"/>
-            </a:endParaRPr>
-          </a:p>
-        </p:txBody>
-      </p:sp>
-      <p:pic>
-        <p:nvPicPr>
-          <p:cNvPr id="10" name="Picture 9">
-            <a:extLst>
-              <a:ext uri="{FF2B5EF4-FFF2-40B4-BE49-F238E27FC236}">
-                <a16:creationId xmlns:a16="http://schemas.microsoft.com/office/drawing/2014/main" id="{2F7E48CE-E0FC-1F61-49BB-9C6717AD1AD1}"/>
-              </a:ext>
-            </a:extLst>
-          </p:cNvPr>
-          <p:cNvPicPr>
-            <a:picLocks noChangeAspect="1"/>
-          </p:cNvPicPr>
-          <p:nvPr/>
-        </p:nvPicPr>
-        <p:blipFill>
-          <a:blip r:embed="rId2"/>
-          <a:stretch>
-            <a:fillRect/>
-          </a:stretch>
-        </p:blipFill>
-        <p:spPr>
-          <a:xfrm>
-            <a:off x="7097561" y="1825625"/>
-            <a:ext cx="4458335" cy="3184525"/>
-          </a:xfrm>
-          <a:prstGeom prst="rect">
-            <a:avLst/>
-          </a:prstGeom>
-        </p:spPr>
-      </p:pic>
-      <p:sp>
-        <p:nvSpPr>
-          <p:cNvPr id="5" name="Content Placeholder 1">
-            <a:extLst>
-              <a:ext uri="{FF2B5EF4-FFF2-40B4-BE49-F238E27FC236}">
-                <a16:creationId xmlns:a16="http://schemas.microsoft.com/office/drawing/2014/main" id="{8B0F5E8A-04DC-0575-7895-A2DE35D16733}"/>
-              </a:ext>
-            </a:extLst>
-          </p:cNvPr>
-          <p:cNvSpPr>
-            <a:spLocks noGrp="1"/>
-          </p:cNvSpPr>
-          <p:nvPr>
-            <p:ph sz="half" idx="1"/>
-          </p:nvPr>
-        </p:nvSpPr>
-        <p:spPr>
-          <a:xfrm>
-            <a:off x="838200" y="1825625"/>
-            <a:ext cx="5791200" cy="1603375"/>
-          </a:xfrm>
-        </p:spPr>
-        <p:txBody>
-          <a:bodyPr anchor="t">
-            <a:normAutofit/>
-          </a:bodyPr>
-          <a:lstStyle/>
-          <a:p>
-            <a:r>
-              <a:rPr lang="en-US" sz="2000" dirty="0"/>
-              <a:t>Can assign a name to </a:t>
-            </a:r>
-            <a:r>
-              <a:rPr lang="en-US" sz="2000" dirty="0" err="1"/>
-              <a:t>ggplot</a:t>
-            </a:r>
-            <a:r>
-              <a:rPr lang="en-US" sz="2000" dirty="0"/>
-              <a:t> objects for reuse</a:t>
-            </a:r>
-          </a:p>
-          <a:p>
-            <a:r>
-              <a:rPr lang="en-US" sz="2000" dirty="0"/>
-              <a:t>+ pipe: link layers together</a:t>
-            </a:r>
-          </a:p>
-        </p:txBody>
-      </p:sp>
-      <p:pic>
-        <p:nvPicPr>
-          <p:cNvPr id="7" name="Picture 6">
-            <a:extLst>
-              <a:ext uri="{FF2B5EF4-FFF2-40B4-BE49-F238E27FC236}">
-                <a16:creationId xmlns:a16="http://schemas.microsoft.com/office/drawing/2014/main" id="{50FD3F7A-E9C1-55F4-C2B6-A953A1C1440D}"/>
-              </a:ext>
-            </a:extLst>
-          </p:cNvPr>
-          <p:cNvPicPr>
-            <a:picLocks noChangeAspect="1"/>
-          </p:cNvPicPr>
-          <p:nvPr/>
-        </p:nvPicPr>
-        <p:blipFill>
-          <a:blip r:embed="rId3"/>
-          <a:stretch>
-            <a:fillRect/>
-          </a:stretch>
-        </p:blipFill>
-        <p:spPr>
-          <a:xfrm>
-            <a:off x="609600" y="5236324"/>
-            <a:ext cx="10946296" cy="1309292"/>
-          </a:xfrm>
-          <a:prstGeom prst="rect">
-            <a:avLst/>
-          </a:prstGeom>
-        </p:spPr>
-      </p:pic>
-    </p:spTree>
-    <p:extLst>
-      <p:ext uri="{BB962C8B-B14F-4D97-AF65-F5344CB8AC3E}">
-        <p14:creationId xmlns:p14="http://schemas.microsoft.com/office/powerpoint/2010/main" val="1856898698"/>
-      </p:ext>
-    </p:extLst>
-  </p:cSld>
-  <p:clrMapOvr>
-    <a:masterClrMapping/>
-  </p:clrMapOvr>
-</p:sld>
-</file>
-
-<file path=ppt/slides/slide6.xml><?xml version="1.0" encoding="utf-8"?>
-<p:sld xmlns:a="http://schemas.openxmlformats.org/drawingml/2006/main" xmlns:r="http://schemas.openxmlformats.org/officeDocument/2006/relationships" xmlns:p="http://schemas.openxmlformats.org/presentationml/2006/main">
-  <p:cSld>
-    <p:spTree>
-      <p:nvGrpSpPr>
-        <p:cNvPr id="1" name=""/>
-        <p:cNvGrpSpPr/>
-        <p:nvPr/>
-      </p:nvGrpSpPr>
-      <p:grpSpPr>
-        <a:xfrm>
-          <a:off x="0" y="0"/>
-          <a:ext cx="0" cy="0"/>
-          <a:chOff x="0" y="0"/>
-          <a:chExt cx="0" cy="0"/>
-        </a:xfrm>
-      </p:grpSpPr>
-      <p:sp>
-        <p:nvSpPr>
-          <p:cNvPr id="2" name="Title 1">
-            <a:extLst>
-              <a:ext uri="{FF2B5EF4-FFF2-40B4-BE49-F238E27FC236}">
-                <a16:creationId xmlns:a16="http://schemas.microsoft.com/office/drawing/2014/main" id="{F1041F29-36BC-6519-335B-0F1F1BEC85BC}"/>
-              </a:ext>
-            </a:extLst>
-          </p:cNvPr>
-          <p:cNvSpPr>
-            <a:spLocks noGrp="1"/>
-          </p:cNvSpPr>
-          <p:nvPr>
-            <p:ph type="title"/>
-          </p:nvPr>
-        </p:nvSpPr>
-        <p:spPr/>
-        <p:txBody>
-          <a:bodyPr/>
-          <a:lstStyle/>
-          <a:p>
-            <a:r>
-              <a:rPr lang="en-US" dirty="0"/>
-              <a:t>Coding!</a:t>
-            </a:r>
-          </a:p>
-        </p:txBody>
-      </p:sp>
-      <p:sp>
-        <p:nvSpPr>
-          <p:cNvPr id="3" name="Content Placeholder 2">
-            <a:extLst>
-              <a:ext uri="{FF2B5EF4-FFF2-40B4-BE49-F238E27FC236}">
-                <a16:creationId xmlns:a16="http://schemas.microsoft.com/office/drawing/2014/main" id="{447BAA09-4F11-1732-FD32-C37162D9A8C7}"/>
-              </a:ext>
-            </a:extLst>
-          </p:cNvPr>
-          <p:cNvSpPr>
-            <a:spLocks noGrp="1"/>
-          </p:cNvSpPr>
-          <p:nvPr>
-            <p:ph idx="1"/>
-          </p:nvPr>
-        </p:nvSpPr>
-        <p:spPr/>
-        <p:txBody>
-          <a:bodyPr/>
-          <a:lstStyle/>
-          <a:p>
-            <a:pPr marL="0" indent="0">
-              <a:buNone/>
-            </a:pPr>
-            <a:r>
-              <a:rPr lang="en-US" dirty="0"/>
-              <a:t>Now, let’s make some plots!!</a:t>
-            </a:r>
-          </a:p>
-          <a:p>
-            <a:endParaRPr lang="en-US" dirty="0"/>
-          </a:p>
-          <a:p>
-            <a:endParaRPr lang="en-US" dirty="0"/>
-          </a:p>
-        </p:txBody>
-      </p:sp>
-      <p:pic>
-        <p:nvPicPr>
-          <p:cNvPr id="4" name="Picture 3">
-            <a:extLst>
-              <a:ext uri="{FF2B5EF4-FFF2-40B4-BE49-F238E27FC236}">
-                <a16:creationId xmlns:a16="http://schemas.microsoft.com/office/drawing/2014/main" id="{99819440-93E5-309C-0E75-46D900172B2E}"/>
-              </a:ext>
-            </a:extLst>
-          </p:cNvPr>
-          <p:cNvPicPr>
-            <a:picLocks noChangeAspect="1"/>
-          </p:cNvPicPr>
-          <p:nvPr/>
-        </p:nvPicPr>
-        <p:blipFill>
-          <a:blip r:embed="rId2"/>
-          <a:stretch>
-            <a:fillRect/>
-          </a:stretch>
-        </p:blipFill>
-        <p:spPr>
-          <a:xfrm>
-            <a:off x="838200" y="2859187"/>
-            <a:ext cx="4644887" cy="3317776"/>
-          </a:xfrm>
-          <a:prstGeom prst="rect">
-            <a:avLst/>
-          </a:prstGeom>
-        </p:spPr>
-      </p:pic>
-      <p:pic>
-        <p:nvPicPr>
-          <p:cNvPr id="5" name="Picture 4">
-            <a:extLst>
-              <a:ext uri="{FF2B5EF4-FFF2-40B4-BE49-F238E27FC236}">
-                <a16:creationId xmlns:a16="http://schemas.microsoft.com/office/drawing/2014/main" id="{4FFDEA63-F60B-0ACC-75DF-10BA6EAFE339}"/>
-              </a:ext>
-            </a:extLst>
-          </p:cNvPr>
-          <p:cNvPicPr>
-            <a:picLocks noChangeAspect="1"/>
-          </p:cNvPicPr>
-          <p:nvPr/>
-        </p:nvPicPr>
-        <p:blipFill>
-          <a:blip r:embed="rId3"/>
-          <a:stretch>
-            <a:fillRect/>
-          </a:stretch>
-        </p:blipFill>
-        <p:spPr>
-          <a:xfrm>
-            <a:off x="5883964" y="2859187"/>
-            <a:ext cx="4644887" cy="3317776"/>
-          </a:xfrm>
-          <a:prstGeom prst="rect">
-            <a:avLst/>
-          </a:prstGeom>
-        </p:spPr>
-      </p:pic>
-    </p:spTree>
-    <p:extLst>
-      <p:ext uri="{BB962C8B-B14F-4D97-AF65-F5344CB8AC3E}">
-        <p14:creationId xmlns:p14="http://schemas.microsoft.com/office/powerpoint/2010/main" val="2612679791"/>
-      </p:ext>
-    </p:extLst>
-  </p:cSld>
-  <p:clrMapOvr>
-    <a:masterClrMapping/>
-  </p:clrMapOvr>
-</p:sld>
-</file>
-
-<file path=ppt/slides/slide7.xml><?xml version="1.0" encoding="utf-8"?>
-<p:sld xmlns:a="http://schemas.openxmlformats.org/drawingml/2006/main" xmlns:r="http://schemas.openxmlformats.org/officeDocument/2006/relationships" xmlns:p="http://schemas.openxmlformats.org/presentationml/2006/main">
-  <p:cSld>
-    <p:spTree>
-      <p:nvGrpSpPr>
-        <p:cNvPr id="1" name=""/>
-        <p:cNvGrpSpPr/>
-        <p:nvPr/>
-      </p:nvGrpSpPr>
-      <p:grpSpPr>
-        <a:xfrm>
-          <a:off x="0" y="0"/>
-          <a:ext cx="0" cy="0"/>
-          <a:chOff x="0" y="0"/>
-          <a:chExt cx="0" cy="0"/>
-        </a:xfrm>
-      </p:grpSpPr>
-      <p:sp>
-        <p:nvSpPr>
-          <p:cNvPr id="2" name="Title 1">
-            <a:extLst>
-              <a:ext uri="{FF2B5EF4-FFF2-40B4-BE49-F238E27FC236}">
-                <a16:creationId xmlns:a16="http://schemas.microsoft.com/office/drawing/2014/main" id="{B0F5E9E7-410D-29D5-C8F9-0687E725F702}"/>
-              </a:ext>
-            </a:extLst>
-          </p:cNvPr>
-          <p:cNvSpPr>
-            <a:spLocks noGrp="1"/>
-          </p:cNvSpPr>
-          <p:nvPr>
-            <p:ph type="title"/>
-          </p:nvPr>
-        </p:nvSpPr>
-        <p:spPr/>
-        <p:txBody>
-          <a:bodyPr/>
-          <a:lstStyle/>
-          <a:p>
-            <a:r>
-              <a:rPr lang="en-US" dirty="0"/>
-              <a:t>Faceting</a:t>
-            </a:r>
-          </a:p>
-        </p:txBody>
-      </p:sp>
-      <p:sp>
-        <p:nvSpPr>
-          <p:cNvPr id="3" name="Text Placeholder 2">
-            <a:extLst>
-              <a:ext uri="{FF2B5EF4-FFF2-40B4-BE49-F238E27FC236}">
-                <a16:creationId xmlns:a16="http://schemas.microsoft.com/office/drawing/2014/main" id="{38DBECEF-B371-A9F4-F4DE-DAC5843B8F9B}"/>
-              </a:ext>
-            </a:extLst>
-          </p:cNvPr>
-          <p:cNvSpPr>
-            <a:spLocks noGrp="1"/>
-          </p:cNvSpPr>
-          <p:nvPr>
-            <p:ph type="body" idx="1"/>
-          </p:nvPr>
-        </p:nvSpPr>
-        <p:spPr/>
-        <p:txBody>
-          <a:bodyPr/>
-          <a:lstStyle/>
-          <a:p>
-            <a:endParaRPr lang="en-US"/>
-          </a:p>
-        </p:txBody>
-      </p:sp>
-    </p:spTree>
-    <p:extLst>
-      <p:ext uri="{BB962C8B-B14F-4D97-AF65-F5344CB8AC3E}">
-        <p14:creationId xmlns:p14="http://schemas.microsoft.com/office/powerpoint/2010/main" val="3475263244"/>
-      </p:ext>
-    </p:extLst>
-  </p:cSld>
-  <p:clrMapOvr>
-    <a:masterClrMapping/>
-  </p:clrMapOvr>
-</p:sld>
-</file>
-
-<file path=ppt/slides/slide8.xml><?xml version="1.0" encoding="utf-8"?>
-<p:sld xmlns:a="http://schemas.openxmlformats.org/drawingml/2006/main" xmlns:r="http://schemas.openxmlformats.org/officeDocument/2006/relationships" xmlns:p="http://schemas.openxmlformats.org/presentationml/2006/main">
-  <p:cSld>
-    <p:spTree>
-      <p:nvGrpSpPr>
-        <p:cNvPr id="1" name=""/>
-        <p:cNvGrpSpPr/>
-        <p:nvPr/>
-      </p:nvGrpSpPr>
-      <p:grpSpPr>
-        <a:xfrm>
-          <a:off x="0" y="0"/>
-          <a:ext cx="0" cy="0"/>
-          <a:chOff x="0" y="0"/>
-          <a:chExt cx="0" cy="0"/>
-        </a:xfrm>
-      </p:grpSpPr>
-      <p:sp>
-        <p:nvSpPr>
-          <p:cNvPr id="2" name="Title 1">
-            <a:extLst>
-              <a:ext uri="{FF2B5EF4-FFF2-40B4-BE49-F238E27FC236}">
-                <a16:creationId xmlns:a16="http://schemas.microsoft.com/office/drawing/2014/main" id="{E5DB22F4-B085-F1E0-D622-681EAE5539A6}"/>
-              </a:ext>
-            </a:extLst>
-          </p:cNvPr>
-          <p:cNvSpPr>
-            <a:spLocks noGrp="1"/>
-          </p:cNvSpPr>
-          <p:nvPr>
-            <p:ph type="title"/>
-          </p:nvPr>
-        </p:nvSpPr>
-        <p:spPr/>
-        <p:txBody>
-          <a:bodyPr/>
-          <a:lstStyle/>
-          <a:p>
-            <a:r>
-              <a:rPr lang="en-US" dirty="0">
-                <a:ea typeface="Fira Code Retina" pitchFamily="49" charset="0"/>
-                <a:cs typeface="Fira Code Retina" pitchFamily="49" charset="0"/>
-              </a:rPr>
-              <a:t>Facets</a:t>
-            </a:r>
-            <a:endParaRPr lang="en-US" dirty="0"/>
-          </a:p>
-        </p:txBody>
-      </p:sp>
-      <p:sp>
-        <p:nvSpPr>
-          <p:cNvPr id="5" name="Content Placeholder 1">
-            <a:extLst>
-              <a:ext uri="{FF2B5EF4-FFF2-40B4-BE49-F238E27FC236}">
-                <a16:creationId xmlns:a16="http://schemas.microsoft.com/office/drawing/2014/main" id="{8B0F5E8A-04DC-0575-7895-A2DE35D16733}"/>
-              </a:ext>
-            </a:extLst>
-          </p:cNvPr>
-          <p:cNvSpPr>
-            <a:spLocks noGrp="1"/>
-          </p:cNvSpPr>
-          <p:nvPr>
-            <p:ph sz="half" idx="1"/>
-          </p:nvPr>
-        </p:nvSpPr>
-        <p:spPr>
-          <a:xfrm>
-            <a:off x="838200" y="1825625"/>
-            <a:ext cx="5791200" cy="1603375"/>
-          </a:xfrm>
-        </p:spPr>
-        <p:txBody>
-          <a:bodyPr anchor="t">
-            <a:normAutofit/>
-          </a:bodyPr>
-          <a:lstStyle/>
-          <a:p>
-            <a:r>
-              <a:rPr lang="en-US" sz="2000" dirty="0"/>
-              <a:t>Split one plot into multiple plots based on a categorical variable</a:t>
-            </a:r>
-          </a:p>
-          <a:p>
-            <a:r>
-              <a:rPr lang="en-US" sz="2000" dirty="0" err="1">
-                <a:latin typeface="Fira Code Retina" pitchFamily="49" charset="0"/>
-                <a:ea typeface="Fira Code Retina" pitchFamily="49" charset="0"/>
-                <a:cs typeface="Fira Code Retina" pitchFamily="49" charset="0"/>
-              </a:rPr>
-              <a:t>facet_wrap</a:t>
-            </a:r>
-            <a:r>
-              <a:rPr lang="en-US" sz="2000" dirty="0">
-                <a:latin typeface="Fira Code Retina" pitchFamily="49" charset="0"/>
-                <a:ea typeface="Fira Code Retina" pitchFamily="49" charset="0"/>
-                <a:cs typeface="Fira Code Retina" pitchFamily="49" charset="0"/>
-              </a:rPr>
-              <a:t>(), </a:t>
-            </a:r>
-            <a:r>
-              <a:rPr lang="en-US" sz="2000" dirty="0" err="1">
-                <a:latin typeface="Fira Code Retina" pitchFamily="49" charset="0"/>
-                <a:ea typeface="Fira Code Retina" pitchFamily="49" charset="0"/>
-                <a:cs typeface="Fira Code Retina" pitchFamily="49" charset="0"/>
-              </a:rPr>
-              <a:t>facet_grid</a:t>
-            </a:r>
-            <a:r>
-              <a:rPr lang="en-US" sz="2000" dirty="0">
-                <a:latin typeface="Fira Code Retina" pitchFamily="49" charset="0"/>
-                <a:ea typeface="Fira Code Retina" pitchFamily="49" charset="0"/>
-                <a:cs typeface="Fira Code Retina" pitchFamily="49" charset="0"/>
-              </a:rPr>
-              <a:t>()</a:t>
-            </a:r>
-          </a:p>
-          <a:p>
-            <a:r>
-              <a:rPr lang="en-US" sz="2000" dirty="0"/>
-              <a:t>Wrap facet variable in </a:t>
-            </a:r>
-            <a:r>
-              <a:rPr lang="en-US" sz="2000" dirty="0">
-                <a:latin typeface="Fira Code Retina" pitchFamily="49" charset="0"/>
-                <a:ea typeface="Fira Code Retina" pitchFamily="49" charset="0"/>
-                <a:cs typeface="Fira Code Retina" pitchFamily="49" charset="0"/>
-              </a:rPr>
-              <a:t>vars()</a:t>
-            </a:r>
-          </a:p>
-        </p:txBody>
-      </p:sp>
-      <p:pic>
-        <p:nvPicPr>
-          <p:cNvPr id="3" name="Picture 2">
-            <a:extLst>
-              <a:ext uri="{FF2B5EF4-FFF2-40B4-BE49-F238E27FC236}">
-                <a16:creationId xmlns:a16="http://schemas.microsoft.com/office/drawing/2014/main" id="{73799D8C-D6A2-498C-CB6A-1F2C1457FAA6}"/>
-              </a:ext>
-            </a:extLst>
-          </p:cNvPr>
-          <p:cNvPicPr>
-            <a:picLocks noChangeAspect="1"/>
-          </p:cNvPicPr>
-          <p:nvPr/>
-        </p:nvPicPr>
-        <p:blipFill>
-          <a:blip r:embed="rId2"/>
-          <a:stretch>
-            <a:fillRect/>
-          </a:stretch>
-        </p:blipFill>
-        <p:spPr>
-          <a:xfrm>
-            <a:off x="6095999" y="1825624"/>
-            <a:ext cx="5637149" cy="4026535"/>
-          </a:xfrm>
-          <a:prstGeom prst="rect">
-            <a:avLst/>
-          </a:prstGeom>
-        </p:spPr>
-      </p:pic>
-      <p:pic>
-        <p:nvPicPr>
-          <p:cNvPr id="8" name="Picture 7">
-            <a:extLst>
-              <a:ext uri="{FF2B5EF4-FFF2-40B4-BE49-F238E27FC236}">
-                <a16:creationId xmlns:a16="http://schemas.microsoft.com/office/drawing/2014/main" id="{3CF24E67-41CF-4573-8CDA-046256C6F06F}"/>
-              </a:ext>
-            </a:extLst>
-          </p:cNvPr>
-          <p:cNvPicPr>
-            <a:picLocks noChangeAspect="1"/>
-          </p:cNvPicPr>
-          <p:nvPr/>
-        </p:nvPicPr>
-        <p:blipFill>
-          <a:blip r:embed="rId3"/>
-          <a:stretch>
-            <a:fillRect/>
-          </a:stretch>
-        </p:blipFill>
-        <p:spPr>
-          <a:xfrm>
-            <a:off x="838200" y="4519565"/>
-            <a:ext cx="4984079" cy="913951"/>
-          </a:xfrm>
-          <a:prstGeom prst="rect">
-            <a:avLst/>
-          </a:prstGeom>
-        </p:spPr>
-      </p:pic>
-    </p:spTree>
-    <p:extLst>
-      <p:ext uri="{BB962C8B-B14F-4D97-AF65-F5344CB8AC3E}">
-        <p14:creationId xmlns:p14="http://schemas.microsoft.com/office/powerpoint/2010/main" val="2604634751"/>
-      </p:ext>
-    </p:extLst>
-  </p:cSld>
-  <p:clrMapOvr>
-    <a:masterClrMapping/>
-  </p:clrMapOvr>
-</p:sld>
-</file>
-
-<file path=ppt/slides/slide9.xml><?xml version="1.0" encoding="utf-8"?>
-<p:sld xmlns:a="http://schemas.openxmlformats.org/drawingml/2006/main" xmlns:r="http://schemas.openxmlformats.org/officeDocument/2006/relationships" xmlns:p="http://schemas.openxmlformats.org/presentationml/2006/main">
-  <p:cSld>
-    <p:spTree>
-      <p:nvGrpSpPr>
-        <p:cNvPr id="1" name=""/>
-        <p:cNvGrpSpPr/>
-        <p:nvPr/>
-      </p:nvGrpSpPr>
-      <p:grpSpPr>
-        <a:xfrm>
-          <a:off x="0" y="0"/>
-          <a:ext cx="0" cy="0"/>
-          <a:chOff x="0" y="0"/>
-          <a:chExt cx="0" cy="0"/>
-        </a:xfrm>
-      </p:grpSpPr>
-      <p:sp>
-        <p:nvSpPr>
-          <p:cNvPr id="2" name="Title 1">
-            <a:extLst>
-              <a:ext uri="{FF2B5EF4-FFF2-40B4-BE49-F238E27FC236}">
-                <a16:creationId xmlns:a16="http://schemas.microsoft.com/office/drawing/2014/main" id="{FAAFAF10-FBE5-A8F9-DC2B-F094BE8927E6}"/>
-              </a:ext>
-            </a:extLst>
-          </p:cNvPr>
-          <p:cNvSpPr>
-            <a:spLocks noGrp="1"/>
-          </p:cNvSpPr>
-          <p:nvPr>
-            <p:ph type="title"/>
-          </p:nvPr>
-        </p:nvSpPr>
-        <p:spPr/>
-        <p:txBody>
-          <a:bodyPr/>
-          <a:lstStyle/>
-          <a:p>
-            <a:r>
-              <a:rPr lang="en-US" dirty="0"/>
-              <a:t>Theme</a:t>
-            </a:r>
-          </a:p>
-        </p:txBody>
-      </p:sp>
-      <p:sp>
-        <p:nvSpPr>
-          <p:cNvPr id="3" name="Text Placeholder 2">
-            <a:extLst>
-              <a:ext uri="{FF2B5EF4-FFF2-40B4-BE49-F238E27FC236}">
-                <a16:creationId xmlns:a16="http://schemas.microsoft.com/office/drawing/2014/main" id="{F5E5EBED-6E39-6E0A-A9EC-CC97FE9F1F6A}"/>
-              </a:ext>
-            </a:extLst>
-          </p:cNvPr>
-          <p:cNvSpPr>
-            <a:spLocks noGrp="1"/>
-          </p:cNvSpPr>
-          <p:nvPr>
-            <p:ph type="body" idx="1"/>
-          </p:nvPr>
-        </p:nvSpPr>
-        <p:spPr/>
-        <p:txBody>
-          <a:bodyPr/>
-          <a:lstStyle/>
-          <a:p>
-            <a:endParaRPr lang="en-US"/>
-          </a:p>
-        </p:txBody>
-      </p:sp>
-    </p:spTree>
-    <p:extLst>
-      <p:ext uri="{BB962C8B-B14F-4D97-AF65-F5344CB8AC3E}">
-        <p14:creationId xmlns:p14="http://schemas.microsoft.com/office/powerpoint/2010/main" val="1090174490"/>
+        <p14:creationId xmlns:p14="http://schemas.microsoft.com/office/powerpoint/2010/main" val="853101432"/>
       </p:ext>
     </p:extLst>
   </p:cSld>
